--- a/BAIiM - Podejrzane pliki kontra serwis do przesyłania danych.pptx
+++ b/BAIiM - Podejrzane pliki kontra serwis do przesyłania danych.pptx
@@ -4,6 +4,9 @@
   <p:sldMasterIdLst>
     <p:sldMasterId id="2147483811" r:id="rId1"/>
   </p:sldMasterIdLst>
+  <p:notesMasterIdLst>
+    <p:notesMasterId r:id="rId18"/>
+  </p:notesMasterIdLst>
   <p:sldIdLst>
     <p:sldId id="256" r:id="rId2"/>
     <p:sldId id="257" r:id="rId3"/>
@@ -12,12 +15,15 @@
     <p:sldId id="264" r:id="rId6"/>
     <p:sldId id="265" r:id="rId7"/>
     <p:sldId id="266" r:id="rId8"/>
-    <p:sldId id="267" r:id="rId9"/>
-    <p:sldId id="268" r:id="rId10"/>
-    <p:sldId id="261" r:id="rId11"/>
-    <p:sldId id="262" r:id="rId12"/>
-    <p:sldId id="263" r:id="rId13"/>
-    <p:sldId id="260" r:id="rId14"/>
+    <p:sldId id="269" r:id="rId9"/>
+    <p:sldId id="271" r:id="rId10"/>
+    <p:sldId id="270" r:id="rId11"/>
+    <p:sldId id="267" r:id="rId12"/>
+    <p:sldId id="268" r:id="rId13"/>
+    <p:sldId id="261" r:id="rId14"/>
+    <p:sldId id="262" r:id="rId15"/>
+    <p:sldId id="263" r:id="rId16"/>
+    <p:sldId id="260" r:id="rId17"/>
   </p:sldIdLst>
   <p:sldSz cx="12192000" cy="6858000"/>
   <p:notesSz cx="6858000" cy="9144000"/>
@@ -116,18 +122,76 @@
       </a:defRPr>
     </a:lvl9pPr>
   </p:defaultTextStyle>
+  <p:extLst>
+    <p:ext uri="{EFAFB233-063F-42B5-8137-9DF3F51BA10A}">
+      <p15:sldGuideLst xmlns:p15="http://schemas.microsoft.com/office/powerpoint/2012/main"/>
+    </p:ext>
+  </p:extLst>
 </p:presentation>
+</file>
+
+<file path=ppt/revisionInfo.xml><?xml version="1.0" encoding="utf-8"?>
+<p1510:revInfo xmlns:a="http://schemas.openxmlformats.org/drawingml/2006/main" xmlns:r="http://schemas.openxmlformats.org/officeDocument/2006/relationships" xmlns:p1510="http://schemas.microsoft.com/office/powerpoint/2015/10/main">
+  <p1510:revLst>
+    <p1510:client id="{6210097B-1BE6-4BE2-A86B-87EA35F3DB1E}" v="15" dt="2025-12-01T23:08:36.006"/>
+  </p1510:revLst>
+</p1510:revInfo>
 </file>
 
 <file path=ppt/changesInfos/changesInfo1.xml><?xml version="1.0" encoding="utf-8"?>
 <pc:chgInfo xmlns:a="http://schemas.openxmlformats.org/drawingml/2006/main" xmlns:r="http://schemas.openxmlformats.org/officeDocument/2006/relationships" xmlns:ac="http://schemas.microsoft.com/office/drawing/2013/main/command" xmlns:pc="http://schemas.microsoft.com/office/powerpoint/2013/main/command">
   <pc:docChgLst>
     <pc:chgData name="Maciej Kochan" userId="5d8b395bdc00bf78" providerId="LiveId" clId="{4C887172-C58D-4305-884D-BD819ECBDB05}"/>
-    <pc:docChg chg="addSld modSld">
-      <pc:chgData name="Maciej Kochan" userId="5d8b395bdc00bf78" providerId="LiveId" clId="{4C887172-C58D-4305-884D-BD819ECBDB05}" dt="2025-11-28T15:14:47.979" v="315" actId="20577"/>
+    <pc:docChg chg="undo custSel addSld modSld">
+      <pc:chgData name="Maciej Kochan" userId="5d8b395bdc00bf78" providerId="LiveId" clId="{4C887172-C58D-4305-884D-BD819ECBDB05}" dt="2025-12-01T23:08:36.006" v="1894"/>
       <pc:docMkLst>
         <pc:docMk/>
       </pc:docMkLst>
+      <pc:sldChg chg="modSp mod">
+        <pc:chgData name="Maciej Kochan" userId="5d8b395bdc00bf78" providerId="LiveId" clId="{4C887172-C58D-4305-884D-BD819ECBDB05}" dt="2025-12-01T22:33:24.802" v="700" actId="27636"/>
+        <pc:sldMkLst>
+          <pc:docMk/>
+          <pc:sldMk cId="2118228828" sldId="260"/>
+        </pc:sldMkLst>
+        <pc:spChg chg="mod">
+          <ac:chgData name="Maciej Kochan" userId="5d8b395bdc00bf78" providerId="LiveId" clId="{4C887172-C58D-4305-884D-BD819ECBDB05}" dt="2025-12-01T22:33:24.802" v="700" actId="27636"/>
+          <ac:spMkLst>
+            <pc:docMk/>
+            <pc:sldMk cId="2118228828" sldId="260"/>
+            <ac:spMk id="4" creationId="{8BE7B5D6-0B74-7D17-0560-52B7600F4146}"/>
+          </ac:spMkLst>
+        </pc:spChg>
+      </pc:sldChg>
+      <pc:sldChg chg="addSp modSp mod">
+        <pc:chgData name="Maciej Kochan" userId="5d8b395bdc00bf78" providerId="LiveId" clId="{4C887172-C58D-4305-884D-BD819ECBDB05}" dt="2025-12-01T23:08:23.866" v="1891" actId="20577"/>
+        <pc:sldMkLst>
+          <pc:docMk/>
+          <pc:sldMk cId="3009500149" sldId="265"/>
+        </pc:sldMkLst>
+        <pc:spChg chg="add mod">
+          <ac:chgData name="Maciej Kochan" userId="5d8b395bdc00bf78" providerId="LiveId" clId="{4C887172-C58D-4305-884D-BD819ECBDB05}" dt="2025-12-01T23:08:23.866" v="1891" actId="20577"/>
+          <ac:spMkLst>
+            <pc:docMk/>
+            <pc:sldMk cId="3009500149" sldId="265"/>
+            <ac:spMk id="4" creationId="{16A1075B-C6AB-35EF-EA7E-3C9189492158}"/>
+          </ac:spMkLst>
+        </pc:spChg>
+      </pc:sldChg>
+      <pc:sldChg chg="addSp modSp">
+        <pc:chgData name="Maciej Kochan" userId="5d8b395bdc00bf78" providerId="LiveId" clId="{4C887172-C58D-4305-884D-BD819ECBDB05}" dt="2025-12-01T23:08:28.146" v="1892"/>
+        <pc:sldMkLst>
+          <pc:docMk/>
+          <pc:sldMk cId="1145127616" sldId="266"/>
+        </pc:sldMkLst>
+        <pc:spChg chg="add mod">
+          <ac:chgData name="Maciej Kochan" userId="5d8b395bdc00bf78" providerId="LiveId" clId="{4C887172-C58D-4305-884D-BD819ECBDB05}" dt="2025-12-01T23:08:28.146" v="1892"/>
+          <ac:spMkLst>
+            <pc:docMk/>
+            <pc:sldMk cId="1145127616" sldId="266"/>
+            <ac:spMk id="3" creationId="{98D1C2BF-0A5E-7460-F0FD-77FE132551A1}"/>
+          </ac:spMkLst>
+        </pc:spChg>
+      </pc:sldChg>
       <pc:sldChg chg="modSp new mod">
         <pc:chgData name="Maciej Kochan" userId="5d8b395bdc00bf78" providerId="LiveId" clId="{4C887172-C58D-4305-884D-BD819ECBDB05}" dt="2025-11-28T15:14:47.979" v="315" actId="20577"/>
         <pc:sldMkLst>
@@ -150,6 +214,187 @@
             <ac:spMk id="3" creationId="{53F177E5-3671-CAD7-E81D-4F61503D079F}"/>
           </ac:spMkLst>
         </pc:spChg>
+      </pc:sldChg>
+      <pc:sldChg chg="addSp delSp modSp new mod">
+        <pc:chgData name="Maciej Kochan" userId="5d8b395bdc00bf78" providerId="LiveId" clId="{4C887172-C58D-4305-884D-BD819ECBDB05}" dt="2025-12-01T23:08:30.636" v="1893"/>
+        <pc:sldMkLst>
+          <pc:docMk/>
+          <pc:sldMk cId="876525065" sldId="269"/>
+        </pc:sldMkLst>
+        <pc:spChg chg="mod">
+          <ac:chgData name="Maciej Kochan" userId="5d8b395bdc00bf78" providerId="LiveId" clId="{4C887172-C58D-4305-884D-BD819ECBDB05}" dt="2025-12-01T22:11:59.140" v="324" actId="20577"/>
+          <ac:spMkLst>
+            <pc:docMk/>
+            <pc:sldMk cId="876525065" sldId="269"/>
+            <ac:spMk id="2" creationId="{F4C8D22D-C4D2-7CF1-3D67-247631A49A3F}"/>
+          </ac:spMkLst>
+        </pc:spChg>
+        <pc:spChg chg="mod">
+          <ac:chgData name="Maciej Kochan" userId="5d8b395bdc00bf78" providerId="LiveId" clId="{4C887172-C58D-4305-884D-BD819ECBDB05}" dt="2025-12-01T22:29:31.413" v="665" actId="20577"/>
+          <ac:spMkLst>
+            <pc:docMk/>
+            <pc:sldMk cId="876525065" sldId="269"/>
+            <ac:spMk id="3" creationId="{DC78459B-EF3E-AC2C-1ED5-4562B6AA7986}"/>
+          </ac:spMkLst>
+        </pc:spChg>
+        <pc:spChg chg="add del mod">
+          <ac:chgData name="Maciej Kochan" userId="5d8b395bdc00bf78" providerId="LiveId" clId="{4C887172-C58D-4305-884D-BD819ECBDB05}" dt="2025-12-01T22:28:28.186" v="560"/>
+          <ac:spMkLst>
+            <pc:docMk/>
+            <pc:sldMk cId="876525065" sldId="269"/>
+            <ac:spMk id="4" creationId="{88B5CB23-8F63-FB9B-B3BD-DE98C6FEFE04}"/>
+          </ac:spMkLst>
+        </pc:spChg>
+        <pc:spChg chg="add mod">
+          <ac:chgData name="Maciej Kochan" userId="5d8b395bdc00bf78" providerId="LiveId" clId="{4C887172-C58D-4305-884D-BD819ECBDB05}" dt="2025-12-01T23:08:30.636" v="1893"/>
+          <ac:spMkLst>
+            <pc:docMk/>
+            <pc:sldMk cId="876525065" sldId="269"/>
+            <ac:spMk id="5" creationId="{F5AEB61C-B292-06F0-6E87-1FEF766C749D}"/>
+          </ac:spMkLst>
+        </pc:spChg>
+      </pc:sldChg>
+      <pc:sldChg chg="modSp new mod">
+        <pc:chgData name="Maciej Kochan" userId="5d8b395bdc00bf78" providerId="LiveId" clId="{4C887172-C58D-4305-884D-BD819ECBDB05}" dt="2025-12-01T23:06:00.404" v="1848" actId="20577"/>
+        <pc:sldMkLst>
+          <pc:docMk/>
+          <pc:sldMk cId="2409844927" sldId="270"/>
+        </pc:sldMkLst>
+        <pc:spChg chg="mod">
+          <ac:chgData name="Maciej Kochan" userId="5d8b395bdc00bf78" providerId="LiveId" clId="{4C887172-C58D-4305-884D-BD819ECBDB05}" dt="2025-12-01T22:31:24.745" v="691" actId="20577"/>
+          <ac:spMkLst>
+            <pc:docMk/>
+            <pc:sldMk cId="2409844927" sldId="270"/>
+            <ac:spMk id="2" creationId="{4AC4355B-1436-CF71-E1F8-9DF309D994C1}"/>
+          </ac:spMkLst>
+        </pc:spChg>
+        <pc:spChg chg="mod">
+          <ac:chgData name="Maciej Kochan" userId="5d8b395bdc00bf78" providerId="LiveId" clId="{4C887172-C58D-4305-884D-BD819ECBDB05}" dt="2025-12-01T23:06:00.404" v="1848" actId="20577"/>
+          <ac:spMkLst>
+            <pc:docMk/>
+            <pc:sldMk cId="2409844927" sldId="270"/>
+            <ac:spMk id="3" creationId="{0B6AE4B3-C17F-2E98-58CB-65A5797F49DA}"/>
+          </ac:spMkLst>
+        </pc:spChg>
+      </pc:sldChg>
+      <pc:sldChg chg="addSp delSp modSp new mod setBg modClrScheme chgLayout">
+        <pc:chgData name="Maciej Kochan" userId="5d8b395bdc00bf78" providerId="LiveId" clId="{4C887172-C58D-4305-884D-BD819ECBDB05}" dt="2025-12-01T23:08:36.006" v="1894"/>
+        <pc:sldMkLst>
+          <pc:docMk/>
+          <pc:sldMk cId="1177840051" sldId="271"/>
+        </pc:sldMkLst>
+        <pc:spChg chg="del mod ord">
+          <ac:chgData name="Maciej Kochan" userId="5d8b395bdc00bf78" providerId="LiveId" clId="{4C887172-C58D-4305-884D-BD819ECBDB05}" dt="2025-12-01T22:33:35.116" v="702" actId="700"/>
+          <ac:spMkLst>
+            <pc:docMk/>
+            <pc:sldMk cId="1177840051" sldId="271"/>
+            <ac:spMk id="2" creationId="{771BFEAB-4A61-98F7-FD2B-441067BE70E5}"/>
+          </ac:spMkLst>
+        </pc:spChg>
+        <pc:spChg chg="del mod ord">
+          <ac:chgData name="Maciej Kochan" userId="5d8b395bdc00bf78" providerId="LiveId" clId="{4C887172-C58D-4305-884D-BD819ECBDB05}" dt="2025-12-01T22:33:35.116" v="702" actId="700"/>
+          <ac:spMkLst>
+            <pc:docMk/>
+            <pc:sldMk cId="1177840051" sldId="271"/>
+            <ac:spMk id="3" creationId="{7052469D-260E-08EF-92D4-5F9DDAF8B610}"/>
+          </ac:spMkLst>
+        </pc:spChg>
+        <pc:spChg chg="add mod ord">
+          <ac:chgData name="Maciej Kochan" userId="5d8b395bdc00bf78" providerId="LiveId" clId="{4C887172-C58D-4305-884D-BD819ECBDB05}" dt="2025-12-01T22:47:08.891" v="906" actId="26606"/>
+          <ac:spMkLst>
+            <pc:docMk/>
+            <pc:sldMk cId="1177840051" sldId="271"/>
+            <ac:spMk id="4" creationId="{6205E5B7-5466-E6B1-7ED7-4BE20F51CC8D}"/>
+          </ac:spMkLst>
+        </pc:spChg>
+        <pc:spChg chg="add mod ord">
+          <ac:chgData name="Maciej Kochan" userId="5d8b395bdc00bf78" providerId="LiveId" clId="{4C887172-C58D-4305-884D-BD819ECBDB05}" dt="2025-12-01T22:55:05.651" v="1252" actId="20577"/>
+          <ac:spMkLst>
+            <pc:docMk/>
+            <pc:sldMk cId="1177840051" sldId="271"/>
+            <ac:spMk id="5" creationId="{8F50CDDB-A050-746B-D7FE-C84F93395393}"/>
+          </ac:spMkLst>
+        </pc:spChg>
+        <pc:spChg chg="add del mod ord">
+          <ac:chgData name="Maciej Kochan" userId="5d8b395bdc00bf78" providerId="LiveId" clId="{4C887172-C58D-4305-884D-BD819ECBDB05}" dt="2025-12-01T22:46:55.902" v="903" actId="22"/>
+          <ac:spMkLst>
+            <pc:docMk/>
+            <pc:sldMk cId="1177840051" sldId="271"/>
+            <ac:spMk id="6" creationId="{5AD4CABA-A3C5-B3E0-FD91-4941CD70926A}"/>
+          </ac:spMkLst>
+        </pc:spChg>
+        <pc:spChg chg="add mod">
+          <ac:chgData name="Maciej Kochan" userId="5d8b395bdc00bf78" providerId="LiveId" clId="{4C887172-C58D-4305-884D-BD819ECBDB05}" dt="2025-12-01T23:08:36.006" v="1894"/>
+          <ac:spMkLst>
+            <pc:docMk/>
+            <pc:sldMk cId="1177840051" sldId="271"/>
+            <ac:spMk id="9" creationId="{362CF2DC-F262-D2B4-85D1-ED767AA39A2E}"/>
+          </ac:spMkLst>
+        </pc:spChg>
+        <pc:spChg chg="add">
+          <ac:chgData name="Maciej Kochan" userId="5d8b395bdc00bf78" providerId="LiveId" clId="{4C887172-C58D-4305-884D-BD819ECBDB05}" dt="2025-12-01T22:47:08.891" v="906" actId="26606"/>
+          <ac:spMkLst>
+            <pc:docMk/>
+            <pc:sldMk cId="1177840051" sldId="271"/>
+            <ac:spMk id="13" creationId="{2D6FBB9D-1CAA-4D05-AB33-BABDFE17B843}"/>
+          </ac:spMkLst>
+        </pc:spChg>
+        <pc:spChg chg="add">
+          <ac:chgData name="Maciej Kochan" userId="5d8b395bdc00bf78" providerId="LiveId" clId="{4C887172-C58D-4305-884D-BD819ECBDB05}" dt="2025-12-01T22:47:08.891" v="906" actId="26606"/>
+          <ac:spMkLst>
+            <pc:docMk/>
+            <pc:sldMk cId="1177840051" sldId="271"/>
+            <ac:spMk id="15" creationId="{04727B71-B4B6-4823-80A1-68C40B475118}"/>
+          </ac:spMkLst>
+        </pc:spChg>
+        <pc:spChg chg="add">
+          <ac:chgData name="Maciej Kochan" userId="5d8b395bdc00bf78" providerId="LiveId" clId="{4C887172-C58D-4305-884D-BD819ECBDB05}" dt="2025-12-01T22:47:08.891" v="906" actId="26606"/>
+          <ac:spMkLst>
+            <pc:docMk/>
+            <pc:sldMk cId="1177840051" sldId="271"/>
+            <ac:spMk id="17" creationId="{79A6DB05-9FB5-4B07-8675-74C23D4FD89D}"/>
+          </ac:spMkLst>
+        </pc:spChg>
+        <pc:spChg chg="add">
+          <ac:chgData name="Maciej Kochan" userId="5d8b395bdc00bf78" providerId="LiveId" clId="{4C887172-C58D-4305-884D-BD819ECBDB05}" dt="2025-12-01T22:47:08.891" v="906" actId="26606"/>
+          <ac:spMkLst>
+            <pc:docMk/>
+            <pc:sldMk cId="1177840051" sldId="271"/>
+            <ac:spMk id="19" creationId="{2C9A9DA9-7DC8-488B-A882-123947B0F3D9}"/>
+          </ac:spMkLst>
+        </pc:spChg>
+        <pc:spChg chg="add">
+          <ac:chgData name="Maciej Kochan" userId="5d8b395bdc00bf78" providerId="LiveId" clId="{4C887172-C58D-4305-884D-BD819ECBDB05}" dt="2025-12-01T22:47:08.891" v="906" actId="26606"/>
+          <ac:spMkLst>
+            <pc:docMk/>
+            <pc:sldMk cId="1177840051" sldId="271"/>
+            <ac:spMk id="21" creationId="{57F6BDD4-E066-4008-8011-6CC31AEB4556}"/>
+          </ac:spMkLst>
+        </pc:spChg>
+        <pc:spChg chg="add">
+          <ac:chgData name="Maciej Kochan" userId="5d8b395bdc00bf78" providerId="LiveId" clId="{4C887172-C58D-4305-884D-BD819ECBDB05}" dt="2025-12-01T22:47:08.891" v="906" actId="26606"/>
+          <ac:spMkLst>
+            <pc:docMk/>
+            <pc:sldMk cId="1177840051" sldId="271"/>
+            <ac:spMk id="23" creationId="{2711A8FB-68FC-45FC-B01E-38F809E2D439}"/>
+          </ac:spMkLst>
+        </pc:spChg>
+        <pc:spChg chg="add">
+          <ac:chgData name="Maciej Kochan" userId="5d8b395bdc00bf78" providerId="LiveId" clId="{4C887172-C58D-4305-884D-BD819ECBDB05}" dt="2025-12-01T22:47:08.891" v="906" actId="26606"/>
+          <ac:spMkLst>
+            <pc:docMk/>
+            <pc:sldMk cId="1177840051" sldId="271"/>
+            <ac:spMk id="25" creationId="{2A865FE3-5FC9-4049-87CF-30019C46C0F5}"/>
+          </ac:spMkLst>
+        </pc:spChg>
+        <pc:picChg chg="add mod ord">
+          <ac:chgData name="Maciej Kochan" userId="5d8b395bdc00bf78" providerId="LiveId" clId="{4C887172-C58D-4305-884D-BD819ECBDB05}" dt="2025-12-01T22:47:08.891" v="906" actId="26606"/>
+          <ac:picMkLst>
+            <pc:docMk/>
+            <pc:sldMk cId="1177840051" sldId="271"/>
+            <ac:picMk id="8" creationId="{17C77F26-8A29-3636-A4CA-7DC5757035C9}"/>
+          </ac:picMkLst>
+        </pc:picChg>
       </pc:sldChg>
     </pc:docChg>
   </pc:docChgLst>
@@ -3818,6 +4063,440 @@
 </dgm:styleDef>
 </file>
 
+<file path=ppt/notesMasters/notesMaster1.xml><?xml version="1.0" encoding="utf-8"?>
+<p:notesMaster xmlns:a="http://schemas.openxmlformats.org/drawingml/2006/main" xmlns:r="http://schemas.openxmlformats.org/officeDocument/2006/relationships" xmlns:p="http://schemas.openxmlformats.org/presentationml/2006/main">
+  <p:cSld>
+    <p:bg>
+      <p:bgRef idx="1001">
+        <a:schemeClr val="bg1"/>
+      </p:bgRef>
+    </p:bg>
+    <p:spTree>
+      <p:nvGrpSpPr>
+        <p:cNvPr id="1" name=""/>
+        <p:cNvGrpSpPr/>
+        <p:nvPr/>
+      </p:nvGrpSpPr>
+      <p:grpSpPr>
+        <a:xfrm>
+          <a:off x="0" y="0"/>
+          <a:ext cx="0" cy="0"/>
+          <a:chOff x="0" y="0"/>
+          <a:chExt cx="0" cy="0"/>
+        </a:xfrm>
+      </p:grpSpPr>
+      <p:sp>
+        <p:nvSpPr>
+          <p:cNvPr id="2" name="Symbol zastępczy nagłówka 1"/>
+          <p:cNvSpPr>
+            <a:spLocks noGrp="1"/>
+          </p:cNvSpPr>
+          <p:nvPr>
+            <p:ph type="hdr" sz="quarter"/>
+          </p:nvPr>
+        </p:nvSpPr>
+        <p:spPr>
+          <a:xfrm>
+            <a:off x="0" y="0"/>
+            <a:ext cx="2971800" cy="458788"/>
+          </a:xfrm>
+          <a:prstGeom prst="rect">
+            <a:avLst/>
+          </a:prstGeom>
+        </p:spPr>
+        <p:txBody>
+          <a:bodyPr vert="horz" lIns="91440" tIns="45720" rIns="91440" bIns="45720" rtlCol="0"/>
+          <a:lstStyle>
+            <a:lvl1pPr algn="l">
+              <a:defRPr sz="1200"/>
+            </a:lvl1pPr>
+          </a:lstStyle>
+          <a:p>
+            <a:endParaRPr lang="en-GB"/>
+          </a:p>
+        </p:txBody>
+      </p:sp>
+      <p:sp>
+        <p:nvSpPr>
+          <p:cNvPr id="3" name="Symbol zastępczy daty 2"/>
+          <p:cNvSpPr>
+            <a:spLocks noGrp="1"/>
+          </p:cNvSpPr>
+          <p:nvPr>
+            <p:ph type="dt" idx="1"/>
+          </p:nvPr>
+        </p:nvSpPr>
+        <p:spPr>
+          <a:xfrm>
+            <a:off x="3884613" y="0"/>
+            <a:ext cx="2971800" cy="458788"/>
+          </a:xfrm>
+          <a:prstGeom prst="rect">
+            <a:avLst/>
+          </a:prstGeom>
+        </p:spPr>
+        <p:txBody>
+          <a:bodyPr vert="horz" lIns="91440" tIns="45720" rIns="91440" bIns="45720" rtlCol="0"/>
+          <a:lstStyle>
+            <a:lvl1pPr algn="r">
+              <a:defRPr sz="1200"/>
+            </a:lvl1pPr>
+          </a:lstStyle>
+          <a:p>
+            <a:fld id="{FC6F3ED5-C070-45E0-B247-5726A038816D}" type="datetimeFigureOut">
+              <a:rPr lang="en-GB" smtClean="0"/>
+              <a:t>01/12/2025</a:t>
+            </a:fld>
+            <a:endParaRPr lang="en-GB"/>
+          </a:p>
+        </p:txBody>
+      </p:sp>
+      <p:sp>
+        <p:nvSpPr>
+          <p:cNvPr id="4" name="Symbol zastępczy obrazu slajdu 3"/>
+          <p:cNvSpPr>
+            <a:spLocks noGrp="1" noRot="1" noChangeAspect="1"/>
+          </p:cNvSpPr>
+          <p:nvPr>
+            <p:ph type="sldImg" idx="2"/>
+          </p:nvPr>
+        </p:nvSpPr>
+        <p:spPr>
+          <a:xfrm>
+            <a:off x="685800" y="1143000"/>
+            <a:ext cx="5486400" cy="3086100"/>
+          </a:xfrm>
+          <a:prstGeom prst="rect">
+            <a:avLst/>
+          </a:prstGeom>
+          <a:noFill/>
+          <a:ln w="12700">
+            <a:solidFill>
+              <a:prstClr val="black"/>
+            </a:solidFill>
+          </a:ln>
+        </p:spPr>
+        <p:txBody>
+          <a:bodyPr vert="horz" lIns="91440" tIns="45720" rIns="91440" bIns="45720" rtlCol="0" anchor="ctr"/>
+          <a:lstStyle/>
+          <a:p>
+            <a:endParaRPr lang="en-GB"/>
+          </a:p>
+        </p:txBody>
+      </p:sp>
+      <p:sp>
+        <p:nvSpPr>
+          <p:cNvPr id="5" name="Symbol zastępczy notatek 4"/>
+          <p:cNvSpPr>
+            <a:spLocks noGrp="1"/>
+          </p:cNvSpPr>
+          <p:nvPr>
+            <p:ph type="body" sz="quarter" idx="3"/>
+          </p:nvPr>
+        </p:nvSpPr>
+        <p:spPr>
+          <a:xfrm>
+            <a:off x="685800" y="4400550"/>
+            <a:ext cx="5486400" cy="3600450"/>
+          </a:xfrm>
+          <a:prstGeom prst="rect">
+            <a:avLst/>
+          </a:prstGeom>
+        </p:spPr>
+        <p:txBody>
+          <a:bodyPr vert="horz" lIns="91440" tIns="45720" rIns="91440" bIns="45720" rtlCol="0"/>
+          <a:lstStyle/>
+          <a:p>
+            <a:pPr lvl="0"/>
+            <a:r>
+              <a:rPr lang="pl-PL"/>
+              <a:t>Kliknij, aby edytować style wzorca tekstu</a:t>
+            </a:r>
+          </a:p>
+          <a:p>
+            <a:pPr lvl="1"/>
+            <a:r>
+              <a:rPr lang="pl-PL"/>
+              <a:t>Drugi poziom</a:t>
+            </a:r>
+          </a:p>
+          <a:p>
+            <a:pPr lvl="2"/>
+            <a:r>
+              <a:rPr lang="pl-PL"/>
+              <a:t>Trzeci poziom</a:t>
+            </a:r>
+          </a:p>
+          <a:p>
+            <a:pPr lvl="3"/>
+            <a:r>
+              <a:rPr lang="pl-PL"/>
+              <a:t>Czwarty poziom</a:t>
+            </a:r>
+          </a:p>
+          <a:p>
+            <a:pPr lvl="4"/>
+            <a:r>
+              <a:rPr lang="pl-PL"/>
+              <a:t>Piąty poziom</a:t>
+            </a:r>
+            <a:endParaRPr lang="en-GB"/>
+          </a:p>
+        </p:txBody>
+      </p:sp>
+      <p:sp>
+        <p:nvSpPr>
+          <p:cNvPr id="6" name="Symbol zastępczy stopki 5"/>
+          <p:cNvSpPr>
+            <a:spLocks noGrp="1"/>
+          </p:cNvSpPr>
+          <p:nvPr>
+            <p:ph type="ftr" sz="quarter" idx="4"/>
+          </p:nvPr>
+        </p:nvSpPr>
+        <p:spPr>
+          <a:xfrm>
+            <a:off x="0" y="8685213"/>
+            <a:ext cx="2971800" cy="458787"/>
+          </a:xfrm>
+          <a:prstGeom prst="rect">
+            <a:avLst/>
+          </a:prstGeom>
+        </p:spPr>
+        <p:txBody>
+          <a:bodyPr vert="horz" lIns="91440" tIns="45720" rIns="91440" bIns="45720" rtlCol="0" anchor="b"/>
+          <a:lstStyle>
+            <a:lvl1pPr algn="l">
+              <a:defRPr sz="1200"/>
+            </a:lvl1pPr>
+          </a:lstStyle>
+          <a:p>
+            <a:endParaRPr lang="en-GB"/>
+          </a:p>
+        </p:txBody>
+      </p:sp>
+      <p:sp>
+        <p:nvSpPr>
+          <p:cNvPr id="7" name="Symbol zastępczy numeru slajdu 6"/>
+          <p:cNvSpPr>
+            <a:spLocks noGrp="1"/>
+          </p:cNvSpPr>
+          <p:nvPr>
+            <p:ph type="sldNum" sz="quarter" idx="5"/>
+          </p:nvPr>
+        </p:nvSpPr>
+        <p:spPr>
+          <a:xfrm>
+            <a:off x="3884613" y="8685213"/>
+            <a:ext cx="2971800" cy="458787"/>
+          </a:xfrm>
+          <a:prstGeom prst="rect">
+            <a:avLst/>
+          </a:prstGeom>
+        </p:spPr>
+        <p:txBody>
+          <a:bodyPr vert="horz" lIns="91440" tIns="45720" rIns="91440" bIns="45720" rtlCol="0" anchor="b"/>
+          <a:lstStyle>
+            <a:lvl1pPr algn="r">
+              <a:defRPr sz="1200"/>
+            </a:lvl1pPr>
+          </a:lstStyle>
+          <a:p>
+            <a:fld id="{68434CD9-D040-4AFD-8F8F-DC6612F192A8}" type="slidenum">
+              <a:rPr lang="en-GB" smtClean="0"/>
+              <a:t>‹#›</a:t>
+            </a:fld>
+            <a:endParaRPr lang="en-GB"/>
+          </a:p>
+        </p:txBody>
+      </p:sp>
+    </p:spTree>
+    <p:extLst>
+      <p:ext uri="{BB962C8B-B14F-4D97-AF65-F5344CB8AC3E}">
+        <p14:creationId xmlns:p14="http://schemas.microsoft.com/office/powerpoint/2010/main" val="2226273256"/>
+      </p:ext>
+    </p:extLst>
+  </p:cSld>
+  <p:clrMap bg1="lt1" tx1="dk1" bg2="lt2" tx2="dk2" accent1="accent1" accent2="accent2" accent3="accent3" accent4="accent4" accent5="accent5" accent6="accent6" hlink="hlink" folHlink="folHlink"/>
+  <p:notesStyle>
+    <a:lvl1pPr marL="0" algn="l" defTabSz="914400" rtl="0" eaLnBrk="1" latinLnBrk="0" hangingPunct="1">
+      <a:defRPr sz="1200" kern="1200">
+        <a:solidFill>
+          <a:schemeClr val="tx1"/>
+        </a:solidFill>
+        <a:latin typeface="+mn-lt"/>
+        <a:ea typeface="+mn-ea"/>
+        <a:cs typeface="+mn-cs"/>
+      </a:defRPr>
+    </a:lvl1pPr>
+    <a:lvl2pPr marL="457200" algn="l" defTabSz="914400" rtl="0" eaLnBrk="1" latinLnBrk="0" hangingPunct="1">
+      <a:defRPr sz="1200" kern="1200">
+        <a:solidFill>
+          <a:schemeClr val="tx1"/>
+        </a:solidFill>
+        <a:latin typeface="+mn-lt"/>
+        <a:ea typeface="+mn-ea"/>
+        <a:cs typeface="+mn-cs"/>
+      </a:defRPr>
+    </a:lvl2pPr>
+    <a:lvl3pPr marL="914400" algn="l" defTabSz="914400" rtl="0" eaLnBrk="1" latinLnBrk="0" hangingPunct="1">
+      <a:defRPr sz="1200" kern="1200">
+        <a:solidFill>
+          <a:schemeClr val="tx1"/>
+        </a:solidFill>
+        <a:latin typeface="+mn-lt"/>
+        <a:ea typeface="+mn-ea"/>
+        <a:cs typeface="+mn-cs"/>
+      </a:defRPr>
+    </a:lvl3pPr>
+    <a:lvl4pPr marL="1371600" algn="l" defTabSz="914400" rtl="0" eaLnBrk="1" latinLnBrk="0" hangingPunct="1">
+      <a:defRPr sz="1200" kern="1200">
+        <a:solidFill>
+          <a:schemeClr val="tx1"/>
+        </a:solidFill>
+        <a:latin typeface="+mn-lt"/>
+        <a:ea typeface="+mn-ea"/>
+        <a:cs typeface="+mn-cs"/>
+      </a:defRPr>
+    </a:lvl4pPr>
+    <a:lvl5pPr marL="1828800" algn="l" defTabSz="914400" rtl="0" eaLnBrk="1" latinLnBrk="0" hangingPunct="1">
+      <a:defRPr sz="1200" kern="1200">
+        <a:solidFill>
+          <a:schemeClr val="tx1"/>
+        </a:solidFill>
+        <a:latin typeface="+mn-lt"/>
+        <a:ea typeface="+mn-ea"/>
+        <a:cs typeface="+mn-cs"/>
+      </a:defRPr>
+    </a:lvl5pPr>
+    <a:lvl6pPr marL="2286000" algn="l" defTabSz="914400" rtl="0" eaLnBrk="1" latinLnBrk="0" hangingPunct="1">
+      <a:defRPr sz="1200" kern="1200">
+        <a:solidFill>
+          <a:schemeClr val="tx1"/>
+        </a:solidFill>
+        <a:latin typeface="+mn-lt"/>
+        <a:ea typeface="+mn-ea"/>
+        <a:cs typeface="+mn-cs"/>
+      </a:defRPr>
+    </a:lvl6pPr>
+    <a:lvl7pPr marL="2743200" algn="l" defTabSz="914400" rtl="0" eaLnBrk="1" latinLnBrk="0" hangingPunct="1">
+      <a:defRPr sz="1200" kern="1200">
+        <a:solidFill>
+          <a:schemeClr val="tx1"/>
+        </a:solidFill>
+        <a:latin typeface="+mn-lt"/>
+        <a:ea typeface="+mn-ea"/>
+        <a:cs typeface="+mn-cs"/>
+      </a:defRPr>
+    </a:lvl7pPr>
+    <a:lvl8pPr marL="3200400" algn="l" defTabSz="914400" rtl="0" eaLnBrk="1" latinLnBrk="0" hangingPunct="1">
+      <a:defRPr sz="1200" kern="1200">
+        <a:solidFill>
+          <a:schemeClr val="tx1"/>
+        </a:solidFill>
+        <a:latin typeface="+mn-lt"/>
+        <a:ea typeface="+mn-ea"/>
+        <a:cs typeface="+mn-cs"/>
+      </a:defRPr>
+    </a:lvl8pPr>
+    <a:lvl9pPr marL="3657600" algn="l" defTabSz="914400" rtl="0" eaLnBrk="1" latinLnBrk="0" hangingPunct="1">
+      <a:defRPr sz="1200" kern="1200">
+        <a:solidFill>
+          <a:schemeClr val="tx1"/>
+        </a:solidFill>
+        <a:latin typeface="+mn-lt"/>
+        <a:ea typeface="+mn-ea"/>
+        <a:cs typeface="+mn-cs"/>
+      </a:defRPr>
+    </a:lvl9pPr>
+  </p:notesStyle>
+</p:notesMaster>
+</file>
+
+<file path=ppt/notesSlides/notesSlide1.xml><?xml version="1.0" encoding="utf-8"?>
+<p:notes xmlns:a="http://schemas.openxmlformats.org/drawingml/2006/main" xmlns:r="http://schemas.openxmlformats.org/officeDocument/2006/relationships" xmlns:p="http://schemas.openxmlformats.org/presentationml/2006/main">
+  <p:cSld>
+    <p:spTree>
+      <p:nvGrpSpPr>
+        <p:cNvPr id="1" name=""/>
+        <p:cNvGrpSpPr/>
+        <p:nvPr/>
+      </p:nvGrpSpPr>
+      <p:grpSpPr>
+        <a:xfrm>
+          <a:off x="0" y="0"/>
+          <a:ext cx="0" cy="0"/>
+          <a:chOff x="0" y="0"/>
+          <a:chExt cx="0" cy="0"/>
+        </a:xfrm>
+      </p:grpSpPr>
+      <p:sp>
+        <p:nvSpPr>
+          <p:cNvPr id="2" name="Symbol zastępczy obrazu slajdu 1"/>
+          <p:cNvSpPr>
+            <a:spLocks noGrp="1" noRot="1" noChangeAspect="1"/>
+          </p:cNvSpPr>
+          <p:nvPr>
+            <p:ph type="sldImg"/>
+          </p:nvPr>
+        </p:nvSpPr>
+        <p:spPr/>
+      </p:sp>
+      <p:sp>
+        <p:nvSpPr>
+          <p:cNvPr id="3" name="Symbol zastępczy notatek 2"/>
+          <p:cNvSpPr>
+            <a:spLocks noGrp="1"/>
+          </p:cNvSpPr>
+          <p:nvPr>
+            <p:ph type="body" idx="1"/>
+          </p:nvPr>
+        </p:nvSpPr>
+        <p:spPr/>
+        <p:txBody>
+          <a:bodyPr/>
+          <a:lstStyle/>
+          <a:p>
+            <a:endParaRPr lang="en-GB" dirty="0"/>
+          </a:p>
+        </p:txBody>
+      </p:sp>
+      <p:sp>
+        <p:nvSpPr>
+          <p:cNvPr id="4" name="Symbol zastępczy numeru slajdu 3"/>
+          <p:cNvSpPr>
+            <a:spLocks noGrp="1"/>
+          </p:cNvSpPr>
+          <p:nvPr>
+            <p:ph type="sldNum" sz="quarter" idx="5"/>
+          </p:nvPr>
+        </p:nvSpPr>
+        <p:spPr/>
+        <p:txBody>
+          <a:bodyPr/>
+          <a:lstStyle/>
+          <a:p>
+            <a:fld id="{68434CD9-D040-4AFD-8F8F-DC6612F192A8}" type="slidenum">
+              <a:rPr lang="en-GB" smtClean="0"/>
+              <a:t>8</a:t>
+            </a:fld>
+            <a:endParaRPr lang="en-GB"/>
+          </a:p>
+        </p:txBody>
+      </p:sp>
+    </p:spTree>
+    <p:extLst>
+      <p:ext uri="{BB962C8B-B14F-4D97-AF65-F5344CB8AC3E}">
+        <p14:creationId xmlns:p14="http://schemas.microsoft.com/office/powerpoint/2010/main" val="1756917649"/>
+      </p:ext>
+    </p:extLst>
+  </p:cSld>
+  <p:clrMapOvr>
+    <a:masterClrMapping/>
+  </p:clrMapOvr>
+</p:notes>
+</file>
+
 <file path=ppt/slideLayouts/slideLayout1.xml><?xml version="1.0" encoding="utf-8"?>
 <p:sldLayout xmlns:a="http://schemas.openxmlformats.org/drawingml/2006/main" xmlns:r="http://schemas.openxmlformats.org/officeDocument/2006/relationships" xmlns:p="http://schemas.openxmlformats.org/presentationml/2006/main" type="title" preserve="1">
   <p:cSld name="Title Slide">
@@ -3974,7 +4653,7 @@
           <a:p>
             <a:fld id="{02AC24A9-CCB6-4F8D-B8DB-C2F3692CFA5A}" type="datetimeFigureOut">
               <a:rPr lang="en-US" smtClean="0"/>
-              <a:t>11/28/2025</a:t>
+              <a:t>12/1/2025</a:t>
             </a:fld>
             <a:endParaRPr lang="en-US" dirty="0"/>
           </a:p>
@@ -4344,7 +5023,7 @@
           <a:p>
             <a:fld id="{02AC24A9-CCB6-4F8D-B8DB-C2F3692CFA5A}" type="datetimeFigureOut">
               <a:rPr lang="en-US" smtClean="0"/>
-              <a:t>11/28/2025</a:t>
+              <a:t>12/1/2025</a:t>
             </a:fld>
             <a:endParaRPr lang="en-US"/>
           </a:p>
@@ -4553,7 +5232,7 @@
           <a:p>
             <a:fld id="{02AC24A9-CCB6-4F8D-B8DB-C2F3692CFA5A}" type="datetimeFigureOut">
               <a:rPr lang="en-US" smtClean="0"/>
-              <a:t>11/28/2025</a:t>
+              <a:t>12/1/2025</a:t>
             </a:fld>
             <a:endParaRPr lang="en-US"/>
           </a:p>
@@ -5023,7 +5702,7 @@
           <a:p>
             <a:fld id="{02AC24A9-CCB6-4F8D-B8DB-C2F3692CFA5A}" type="datetimeFigureOut">
               <a:rPr lang="en-US" smtClean="0"/>
-              <a:t>11/28/2025</a:t>
+              <a:t>12/1/2025</a:t>
             </a:fld>
             <a:endParaRPr lang="en-US"/>
           </a:p>
@@ -5477,7 +6156,7 @@
           <a:p>
             <a:fld id="{02AC24A9-CCB6-4F8D-B8DB-C2F3692CFA5A}" type="datetimeFigureOut">
               <a:rPr lang="en-US" smtClean="0"/>
-              <a:t>11/28/2025</a:t>
+              <a:t>12/1/2025</a:t>
             </a:fld>
             <a:endParaRPr lang="en-US"/>
           </a:p>
@@ -6009,7 +6688,7 @@
           <a:p>
             <a:fld id="{02AC24A9-CCB6-4F8D-B8DB-C2F3692CFA5A}" type="datetimeFigureOut">
               <a:rPr lang="en-US" smtClean="0"/>
-              <a:t>11/28/2025</a:t>
+              <a:t>12/1/2025</a:t>
             </a:fld>
             <a:endParaRPr lang="en-US"/>
           </a:p>
@@ -6708,7 +7387,7 @@
           <a:p>
             <a:fld id="{02AC24A9-CCB6-4F8D-B8DB-C2F3692CFA5A}" type="datetimeFigureOut">
               <a:rPr lang="en-US" smtClean="0"/>
-              <a:t>11/28/2025</a:t>
+              <a:t>12/1/2025</a:t>
             </a:fld>
             <a:endParaRPr lang="en-US"/>
           </a:p>
@@ -7037,7 +7716,7 @@
           <a:p>
             <a:fld id="{02AC24A9-CCB6-4F8D-B8DB-C2F3692CFA5A}" type="datetimeFigureOut">
               <a:rPr lang="en-US" smtClean="0"/>
-              <a:t>11/28/2025</a:t>
+              <a:t>12/1/2025</a:t>
             </a:fld>
             <a:endParaRPr lang="en-US"/>
           </a:p>
@@ -7150,7 +7829,7 @@
           <a:p>
             <a:fld id="{02AC24A9-CCB6-4F8D-B8DB-C2F3692CFA5A}" type="datetimeFigureOut">
               <a:rPr lang="en-US" smtClean="0"/>
-              <a:t>11/28/2025</a:t>
+              <a:t>12/1/2025</a:t>
             </a:fld>
             <a:endParaRPr lang="en-US"/>
           </a:p>
@@ -7645,7 +8324,7 @@
           <a:p>
             <a:fld id="{02AC24A9-CCB6-4F8D-B8DB-C2F3692CFA5A}" type="datetimeFigureOut">
               <a:rPr lang="en-US" smtClean="0"/>
-              <a:t>11/28/2025</a:t>
+              <a:t>12/1/2025</a:t>
             </a:fld>
             <a:endParaRPr lang="en-US" dirty="0"/>
           </a:p>
@@ -8122,7 +8801,7 @@
           <a:p>
             <a:fld id="{02AC24A9-CCB6-4F8D-B8DB-C2F3692CFA5A}" type="datetimeFigureOut">
               <a:rPr lang="en-US" smtClean="0"/>
-              <a:t>11/28/2025</a:t>
+              <a:t>12/1/2025</a:t>
             </a:fld>
             <a:endParaRPr lang="en-US"/>
           </a:p>
@@ -8365,7 +9044,7 @@
           <a:p>
             <a:fld id="{02AC24A9-CCB6-4F8D-B8DB-C2F3692CFA5A}" type="datetimeFigureOut">
               <a:rPr lang="en-US" smtClean="0"/>
-              <a:t>11/28/2025</a:t>
+              <a:t>12/1/2025</a:t>
             </a:fld>
             <a:endParaRPr lang="en-US"/>
           </a:p>
@@ -9270,7 +9949,7 @@
           <p:cNvPr id="2" name="Tytuł 1">
             <a:extLst>
               <a:ext uri="{FF2B5EF4-FFF2-40B4-BE49-F238E27FC236}">
-                <a16:creationId xmlns:a16="http://schemas.microsoft.com/office/drawing/2014/main" id="{CD5A2CB6-684A-96F2-7CCB-21AEE7E9AE68}"/>
+                <a16:creationId xmlns:a16="http://schemas.microsoft.com/office/drawing/2014/main" id="{4AC4355B-1436-CF71-E1F8-9DF309D994C1}"/>
               </a:ext>
             </a:extLst>
           </p:cNvPr>
@@ -9288,7 +9967,19 @@
           <a:p>
             <a:r>
               <a:rPr lang="pl-PL" dirty="0"/>
-              <a:t>Zadanie 1</a:t>
+              <a:t>Atak na </a:t>
+            </a:r>
+            <a:r>
+              <a:rPr lang="pl-PL" dirty="0" err="1"/>
+              <a:t>Colonial</a:t>
+            </a:r>
+            <a:r>
+              <a:rPr lang="pl-PL" dirty="0"/>
+              <a:t> </a:t>
+            </a:r>
+            <a:r>
+              <a:rPr lang="pl-PL" dirty="0" err="1"/>
+              <a:t>Pipeline</a:t>
             </a:r>
             <a:endParaRPr lang="en-GB" dirty="0"/>
           </a:p>
@@ -9299,7 +9990,7 @@
           <p:cNvPr id="3" name="Symbol zastępczy zawartości 2">
             <a:extLst>
               <a:ext uri="{FF2B5EF4-FFF2-40B4-BE49-F238E27FC236}">
-                <a16:creationId xmlns:a16="http://schemas.microsoft.com/office/drawing/2014/main" id="{56F6C2A0-264B-8273-5FE6-EE44462473BC}"/>
+                <a16:creationId xmlns:a16="http://schemas.microsoft.com/office/drawing/2014/main" id="{0B6AE4B3-C17F-2E98-58CB-65A5797F49DA}"/>
               </a:ext>
             </a:extLst>
           </p:cNvPr>
@@ -9312,17 +10003,66 @@
         </p:nvSpPr>
         <p:spPr/>
         <p:txBody>
-          <a:bodyPr/>
+          <a:bodyPr>
+            <a:normAutofit fontScale="92500" lnSpcReduction="10000"/>
+          </a:bodyPr>
           <a:lstStyle/>
           <a:p>
-            <a:endParaRPr lang="en-GB"/>
+            <a:pPr marL="0" indent="0">
+              <a:buNone/>
+            </a:pPr>
+            <a:r>
+              <a:rPr lang="pl-PL" dirty="0"/>
+              <a:t>W ataku na </a:t>
+            </a:r>
+            <a:r>
+              <a:rPr lang="pl-PL" dirty="0" err="1"/>
+              <a:t>Colonial</a:t>
+            </a:r>
+            <a:r>
+              <a:rPr lang="pl-PL" dirty="0"/>
+              <a:t> </a:t>
+            </a:r>
+            <a:r>
+              <a:rPr lang="pl-PL" dirty="0" err="1"/>
+              <a:t>Pipeline</a:t>
+            </a:r>
+            <a:r>
+              <a:rPr lang="pl-PL" dirty="0"/>
+              <a:t> (największy rurociąg paliwowy w USA) hakerzy przesłali złośliwe oprogramowanie poprzez e-maile oraz zainfekowane strony internetowe. Dzięki temu oprogramowaniu udało im się przejąć system i zaszyfrować dane. Zażądali oni okupu w wysokości 75 </a:t>
+            </a:r>
+            <a:r>
+              <a:rPr lang="pl-PL" dirty="0" err="1"/>
+              <a:t>bitcoinów</a:t>
+            </a:r>
+            <a:r>
+              <a:rPr lang="pl-PL" dirty="0"/>
+              <a:t> (ok. mln USD) i okup został wpłacony. </a:t>
+            </a:r>
+            <a:r>
+              <a:rPr lang="pl-PL" dirty="0" err="1"/>
+              <a:t>Colonial</a:t>
+            </a:r>
+            <a:r>
+              <a:rPr lang="pl-PL" dirty="0"/>
+              <a:t> </a:t>
+            </a:r>
+            <a:r>
+              <a:rPr lang="pl-PL" dirty="0" err="1"/>
+              <a:t>Pipeline</a:t>
+            </a:r>
+            <a:r>
+              <a:rPr lang="pl-PL" dirty="0"/>
+              <a:t> otrzymało narzędzie deszyfrujące, jednak nie działało ono tak szybko, co spowodowało kilkudniowe przerwy w działaniu rurociągu, czego skutkiem był wzrost cen i panika na stacjach paliwowych. </a:t>
+            </a:r>
+            <a:endParaRPr lang="en-GB" dirty="0"/>
           </a:p>
         </p:txBody>
       </p:sp>
     </p:spTree>
     <p:extLst>
       <p:ext uri="{BB962C8B-B14F-4D97-AF65-F5344CB8AC3E}">
-        <p14:creationId xmlns:p14="http://schemas.microsoft.com/office/powerpoint/2010/main" val="4243993716"/>
+        <p14:creationId xmlns:p14="http://schemas.microsoft.com/office/powerpoint/2010/main" val="2409844927"/>
       </p:ext>
     </p:extLst>
   </p:cSld>
@@ -9354,7 +10094,7 @@
           <p:cNvPr id="2" name="Tytuł 1">
             <a:extLst>
               <a:ext uri="{FF2B5EF4-FFF2-40B4-BE49-F238E27FC236}">
-                <a16:creationId xmlns:a16="http://schemas.microsoft.com/office/drawing/2014/main" id="{AE28D52C-3EB7-8EFF-C452-DD2B11CCF410}"/>
+                <a16:creationId xmlns:a16="http://schemas.microsoft.com/office/drawing/2014/main" id="{52EEC39C-A79E-91D5-939D-9D96A2BB39A3}"/>
               </a:ext>
             </a:extLst>
           </p:cNvPr>
@@ -9371,42 +10111,49 @@
           <a:lstStyle/>
           <a:p>
             <a:r>
-              <a:rPr lang="pl-PL" dirty="0"/>
-              <a:t>Zadanie 2</a:t>
+              <a:rPr lang="pl-PL"/>
+              <a:t>Serwer do przesyłania plików</a:t>
             </a:r>
             <a:endParaRPr lang="en-GB" dirty="0"/>
           </a:p>
         </p:txBody>
       </p:sp>
-      <p:sp>
-        <p:nvSpPr>
-          <p:cNvPr id="3" name="Symbol zastępczy zawartości 2">
-            <a:extLst>
-              <a:ext uri="{FF2B5EF4-FFF2-40B4-BE49-F238E27FC236}">
-                <a16:creationId xmlns:a16="http://schemas.microsoft.com/office/drawing/2014/main" id="{9AC1CF11-3DED-50F2-6BBF-45A2A3F1AA74}"/>
-              </a:ext>
-            </a:extLst>
-          </p:cNvPr>
-          <p:cNvSpPr>
-            <a:spLocks noGrp="1"/>
-          </p:cNvSpPr>
+      <p:pic>
+        <p:nvPicPr>
+          <p:cNvPr id="5" name="Symbol zastępczy zawartości 4">
+            <a:extLst>
+              <a:ext uri="{FF2B5EF4-FFF2-40B4-BE49-F238E27FC236}">
+                <a16:creationId xmlns:a16="http://schemas.microsoft.com/office/drawing/2014/main" id="{455EF08F-B8DF-E25A-908A-2812ACF13078}"/>
+              </a:ext>
+            </a:extLst>
+          </p:cNvPr>
+          <p:cNvPicPr>
+            <a:picLocks noGrp="1" noChangeAspect="1"/>
+          </p:cNvPicPr>
           <p:nvPr>
             <p:ph idx="1"/>
           </p:nvPr>
-        </p:nvSpPr>
-        <p:spPr/>
-        <p:txBody>
-          <a:bodyPr/>
-          <a:lstStyle/>
-          <a:p>
-            <a:endParaRPr lang="en-GB"/>
-          </a:p>
-        </p:txBody>
-      </p:sp>
+        </p:nvPicPr>
+        <p:blipFill>
+          <a:blip r:embed="rId2"/>
+          <a:stretch>
+            <a:fillRect/>
+          </a:stretch>
+        </p:blipFill>
+        <p:spPr>
+          <a:xfrm>
+            <a:off x="2197287" y="2478088"/>
+            <a:ext cx="8005389" cy="3694112"/>
+          </a:xfrm>
+          <a:prstGeom prst="rect">
+            <a:avLst/>
+          </a:prstGeom>
+        </p:spPr>
+      </p:pic>
     </p:spTree>
     <p:extLst>
       <p:ext uri="{BB962C8B-B14F-4D97-AF65-F5344CB8AC3E}">
-        <p14:creationId xmlns:p14="http://schemas.microsoft.com/office/powerpoint/2010/main" val="3435662834"/>
+        <p14:creationId xmlns:p14="http://schemas.microsoft.com/office/powerpoint/2010/main" val="686191371"/>
       </p:ext>
     </p:extLst>
   </p:cSld>
@@ -9438,6 +10185,269 @@
           <p:cNvPr id="2" name="Tytuł 1">
             <a:extLst>
               <a:ext uri="{FF2B5EF4-FFF2-40B4-BE49-F238E27FC236}">
+                <a16:creationId xmlns:a16="http://schemas.microsoft.com/office/drawing/2014/main" id="{9752CA37-AB61-08D7-A919-2225D161B169}"/>
+              </a:ext>
+            </a:extLst>
+          </p:cNvPr>
+          <p:cNvSpPr>
+            <a:spLocks noGrp="1"/>
+          </p:cNvSpPr>
+          <p:nvPr>
+            <p:ph type="title"/>
+          </p:nvPr>
+        </p:nvSpPr>
+        <p:spPr/>
+        <p:txBody>
+          <a:bodyPr/>
+          <a:lstStyle/>
+          <a:p>
+            <a:r>
+              <a:rPr lang="pl-PL" dirty="0" err="1"/>
+              <a:t>VirusTotal</a:t>
+            </a:r>
+            <a:endParaRPr lang="en-GB" dirty="0"/>
+          </a:p>
+        </p:txBody>
+      </p:sp>
+      <p:sp>
+        <p:nvSpPr>
+          <p:cNvPr id="3" name="Symbol zastępczy zawartości 2">
+            <a:extLst>
+              <a:ext uri="{FF2B5EF4-FFF2-40B4-BE49-F238E27FC236}">
+                <a16:creationId xmlns:a16="http://schemas.microsoft.com/office/drawing/2014/main" id="{53F177E5-3671-CAD7-E81D-4F61503D079F}"/>
+              </a:ext>
+            </a:extLst>
+          </p:cNvPr>
+          <p:cNvSpPr>
+            <a:spLocks noGrp="1"/>
+          </p:cNvSpPr>
+          <p:nvPr>
+            <p:ph idx="1"/>
+          </p:nvPr>
+        </p:nvSpPr>
+        <p:spPr/>
+        <p:txBody>
+          <a:bodyPr/>
+          <a:lstStyle/>
+          <a:p>
+            <a:pPr marL="0" indent="0">
+              <a:buNone/>
+            </a:pPr>
+            <a:r>
+              <a:rPr lang="pl-PL" dirty="0" err="1"/>
+              <a:t>VirusTotal</a:t>
+            </a:r>
+            <a:r>
+              <a:rPr lang="pl-PL" dirty="0"/>
+              <a:t> jest to strona służąca do analizy podejrzanych plików, domen, IP oraz URL do wykrywania złośliwego oprogramowania. Używamy API, aby sprawdzać przesyłane pliki czy nie zawierają one złośliwego oprogramowania.</a:t>
+            </a:r>
+            <a:endParaRPr lang="en-GB" dirty="0"/>
+          </a:p>
+        </p:txBody>
+      </p:sp>
+    </p:spTree>
+    <p:extLst>
+      <p:ext uri="{BB962C8B-B14F-4D97-AF65-F5344CB8AC3E}">
+        <p14:creationId xmlns:p14="http://schemas.microsoft.com/office/powerpoint/2010/main" val="4277937291"/>
+      </p:ext>
+    </p:extLst>
+  </p:cSld>
+  <p:clrMapOvr>
+    <a:masterClrMapping/>
+  </p:clrMapOvr>
+</p:sld>
+</file>
+
+<file path=ppt/slides/slide13.xml><?xml version="1.0" encoding="utf-8"?>
+<p:sld xmlns:a="http://schemas.openxmlformats.org/drawingml/2006/main" xmlns:r="http://schemas.openxmlformats.org/officeDocument/2006/relationships" xmlns:p="http://schemas.openxmlformats.org/presentationml/2006/main">
+  <p:cSld>
+    <p:spTree>
+      <p:nvGrpSpPr>
+        <p:cNvPr id="1" name=""/>
+        <p:cNvGrpSpPr/>
+        <p:nvPr/>
+      </p:nvGrpSpPr>
+      <p:grpSpPr>
+        <a:xfrm>
+          <a:off x="0" y="0"/>
+          <a:ext cx="0" cy="0"/>
+          <a:chOff x="0" y="0"/>
+          <a:chExt cx="0" cy="0"/>
+        </a:xfrm>
+      </p:grpSpPr>
+      <p:sp>
+        <p:nvSpPr>
+          <p:cNvPr id="2" name="Tytuł 1">
+            <a:extLst>
+              <a:ext uri="{FF2B5EF4-FFF2-40B4-BE49-F238E27FC236}">
+                <a16:creationId xmlns:a16="http://schemas.microsoft.com/office/drawing/2014/main" id="{CD5A2CB6-684A-96F2-7CCB-21AEE7E9AE68}"/>
+              </a:ext>
+            </a:extLst>
+          </p:cNvPr>
+          <p:cNvSpPr>
+            <a:spLocks noGrp="1"/>
+          </p:cNvSpPr>
+          <p:nvPr>
+            <p:ph type="title"/>
+          </p:nvPr>
+        </p:nvSpPr>
+        <p:spPr/>
+        <p:txBody>
+          <a:bodyPr/>
+          <a:lstStyle/>
+          <a:p>
+            <a:r>
+              <a:rPr lang="pl-PL" dirty="0"/>
+              <a:t>Zadanie 1</a:t>
+            </a:r>
+            <a:endParaRPr lang="en-GB" dirty="0"/>
+          </a:p>
+        </p:txBody>
+      </p:sp>
+      <p:sp>
+        <p:nvSpPr>
+          <p:cNvPr id="3" name="Symbol zastępczy zawartości 2">
+            <a:extLst>
+              <a:ext uri="{FF2B5EF4-FFF2-40B4-BE49-F238E27FC236}">
+                <a16:creationId xmlns:a16="http://schemas.microsoft.com/office/drawing/2014/main" id="{56F6C2A0-264B-8273-5FE6-EE44462473BC}"/>
+              </a:ext>
+            </a:extLst>
+          </p:cNvPr>
+          <p:cNvSpPr>
+            <a:spLocks noGrp="1"/>
+          </p:cNvSpPr>
+          <p:nvPr>
+            <p:ph idx="1"/>
+          </p:nvPr>
+        </p:nvSpPr>
+        <p:spPr/>
+        <p:txBody>
+          <a:bodyPr/>
+          <a:lstStyle/>
+          <a:p>
+            <a:endParaRPr lang="en-GB"/>
+          </a:p>
+        </p:txBody>
+      </p:sp>
+    </p:spTree>
+    <p:extLst>
+      <p:ext uri="{BB962C8B-B14F-4D97-AF65-F5344CB8AC3E}">
+        <p14:creationId xmlns:p14="http://schemas.microsoft.com/office/powerpoint/2010/main" val="4243993716"/>
+      </p:ext>
+    </p:extLst>
+  </p:cSld>
+  <p:clrMapOvr>
+    <a:masterClrMapping/>
+  </p:clrMapOvr>
+</p:sld>
+</file>
+
+<file path=ppt/slides/slide14.xml><?xml version="1.0" encoding="utf-8"?>
+<p:sld xmlns:a="http://schemas.openxmlformats.org/drawingml/2006/main" xmlns:r="http://schemas.openxmlformats.org/officeDocument/2006/relationships" xmlns:p="http://schemas.openxmlformats.org/presentationml/2006/main">
+  <p:cSld>
+    <p:spTree>
+      <p:nvGrpSpPr>
+        <p:cNvPr id="1" name=""/>
+        <p:cNvGrpSpPr/>
+        <p:nvPr/>
+      </p:nvGrpSpPr>
+      <p:grpSpPr>
+        <a:xfrm>
+          <a:off x="0" y="0"/>
+          <a:ext cx="0" cy="0"/>
+          <a:chOff x="0" y="0"/>
+          <a:chExt cx="0" cy="0"/>
+        </a:xfrm>
+      </p:grpSpPr>
+      <p:sp>
+        <p:nvSpPr>
+          <p:cNvPr id="2" name="Tytuł 1">
+            <a:extLst>
+              <a:ext uri="{FF2B5EF4-FFF2-40B4-BE49-F238E27FC236}">
+                <a16:creationId xmlns:a16="http://schemas.microsoft.com/office/drawing/2014/main" id="{AE28D52C-3EB7-8EFF-C452-DD2B11CCF410}"/>
+              </a:ext>
+            </a:extLst>
+          </p:cNvPr>
+          <p:cNvSpPr>
+            <a:spLocks noGrp="1"/>
+          </p:cNvSpPr>
+          <p:nvPr>
+            <p:ph type="title"/>
+          </p:nvPr>
+        </p:nvSpPr>
+        <p:spPr/>
+        <p:txBody>
+          <a:bodyPr/>
+          <a:lstStyle/>
+          <a:p>
+            <a:r>
+              <a:rPr lang="pl-PL" dirty="0"/>
+              <a:t>Zadanie 2</a:t>
+            </a:r>
+            <a:endParaRPr lang="en-GB" dirty="0"/>
+          </a:p>
+        </p:txBody>
+      </p:sp>
+      <p:sp>
+        <p:nvSpPr>
+          <p:cNvPr id="3" name="Symbol zastępczy zawartości 2">
+            <a:extLst>
+              <a:ext uri="{FF2B5EF4-FFF2-40B4-BE49-F238E27FC236}">
+                <a16:creationId xmlns:a16="http://schemas.microsoft.com/office/drawing/2014/main" id="{9AC1CF11-3DED-50F2-6BBF-45A2A3F1AA74}"/>
+              </a:ext>
+            </a:extLst>
+          </p:cNvPr>
+          <p:cNvSpPr>
+            <a:spLocks noGrp="1"/>
+          </p:cNvSpPr>
+          <p:nvPr>
+            <p:ph idx="1"/>
+          </p:nvPr>
+        </p:nvSpPr>
+        <p:spPr/>
+        <p:txBody>
+          <a:bodyPr/>
+          <a:lstStyle/>
+          <a:p>
+            <a:endParaRPr lang="en-GB"/>
+          </a:p>
+        </p:txBody>
+      </p:sp>
+    </p:spTree>
+    <p:extLst>
+      <p:ext uri="{BB962C8B-B14F-4D97-AF65-F5344CB8AC3E}">
+        <p14:creationId xmlns:p14="http://schemas.microsoft.com/office/powerpoint/2010/main" val="3435662834"/>
+      </p:ext>
+    </p:extLst>
+  </p:cSld>
+  <p:clrMapOvr>
+    <a:masterClrMapping/>
+  </p:clrMapOvr>
+</p:sld>
+</file>
+
+<file path=ppt/slides/slide15.xml><?xml version="1.0" encoding="utf-8"?>
+<p:sld xmlns:a="http://schemas.openxmlformats.org/drawingml/2006/main" xmlns:r="http://schemas.openxmlformats.org/officeDocument/2006/relationships" xmlns:p="http://schemas.openxmlformats.org/presentationml/2006/main">
+  <p:cSld>
+    <p:spTree>
+      <p:nvGrpSpPr>
+        <p:cNvPr id="1" name=""/>
+        <p:cNvGrpSpPr/>
+        <p:nvPr/>
+      </p:nvGrpSpPr>
+      <p:grpSpPr>
+        <a:xfrm>
+          <a:off x="0" y="0"/>
+          <a:ext cx="0" cy="0"/>
+          <a:chOff x="0" y="0"/>
+          <a:chExt cx="0" cy="0"/>
+        </a:xfrm>
+      </p:grpSpPr>
+      <p:sp>
+        <p:nvSpPr>
+          <p:cNvPr id="2" name="Tytuł 1">
+            <a:extLst>
+              <a:ext uri="{FF2B5EF4-FFF2-40B4-BE49-F238E27FC236}">
                 <a16:creationId xmlns:a16="http://schemas.microsoft.com/office/drawing/2014/main" id="{EB693AD7-E102-E148-02CC-50B5E06F3A24}"/>
               </a:ext>
             </a:extLst>
@@ -9500,7 +10510,7 @@
 </p:sld>
 </file>
 
-<file path=ppt/slides/slide13.xml><?xml version="1.0" encoding="utf-8"?>
+<file path=ppt/slides/slide16.xml><?xml version="1.0" encoding="utf-8"?>
 <p:sld xmlns:a="http://schemas.openxmlformats.org/drawingml/2006/main" xmlns:r="http://schemas.openxmlformats.org/officeDocument/2006/relationships" xmlns:p="http://schemas.openxmlformats.org/presentationml/2006/main">
   <p:cSld>
     <p:bg>
@@ -10218,7 +11228,7 @@
         </p:spPr>
         <p:txBody>
           <a:bodyPr vert="horz" lIns="91440" tIns="45720" rIns="91440" bIns="45720" rtlCol="0">
-            <a:normAutofit/>
+            <a:normAutofit lnSpcReduction="10000"/>
           </a:bodyPr>
           <a:lstStyle/>
           <a:p>
@@ -10245,6 +11255,33 @@
                 <a:hlinkClick r:id="rId4"/>
               </a:rPr>
               <a:t>https://www.virustotal.com/</a:t>
+            </a:r>
+            <a:endParaRPr lang="pl-PL" sz="1800" dirty="0"/>
+          </a:p>
+          <a:p>
+            <a:r>
+              <a:rPr lang="en-US" sz="1800" dirty="0">
+                <a:hlinkClick r:id="rId5"/>
+              </a:rPr>
+              <a:t>https://en.wikipedia.org/wiki/Colonial_Pipeline_ransomware_attack</a:t>
+            </a:r>
+            <a:endParaRPr lang="pl-PL" sz="1800" dirty="0"/>
+          </a:p>
+          <a:p>
+            <a:r>
+              <a:rPr lang="en-US" sz="1800" dirty="0">
+                <a:hlinkClick r:id="rId6"/>
+              </a:rPr>
+              <a:t>https://www.brightdefense.com/resources/phishing-statistics/</a:t>
+            </a:r>
+            <a:endParaRPr lang="pl-PL" sz="1800" dirty="0"/>
+          </a:p>
+          <a:p>
+            <a:r>
+              <a:rPr lang="en-US" sz="1800" dirty="0">
+                <a:hlinkClick r:id="rId7"/>
+              </a:rPr>
+              <a:t>https://www.getastra.com/blog/security-audit/phishing-attack-statistics/</a:t>
             </a:r>
             <a:endParaRPr lang="en-US" sz="1800" dirty="0"/>
           </a:p>
@@ -10267,13 +11304,13 @@
           </p:nvPr>
         </p:nvPicPr>
         <p:blipFill>
-          <a:blip r:embed="rId5">
+          <a:blip r:embed="rId8">
             <a:extLst>
               <a:ext uri="{28A0092B-C50C-407E-A947-70E740481C1C}">
                 <a14:useLocalDpi xmlns:a14="http://schemas.microsoft.com/office/drawing/2010/main" val="0"/>
               </a:ext>
               <a:ext uri="{96DAC541-7B7A-43D3-8B79-37D633B846F1}">
-                <asvg:svgBlip xmlns:asvg="http://schemas.microsoft.com/office/drawing/2016/SVG/main" r:embed="rId6"/>
+                <asvg:svgBlip xmlns:asvg="http://schemas.microsoft.com/office/drawing/2016/SVG/main" r:embed="rId9"/>
               </a:ext>
             </a:extLst>
           </a:blip>
@@ -11712,6 +12749,42 @@
           </a:prstGeom>
         </p:spPr>
       </p:pic>
+      <p:sp>
+        <p:nvSpPr>
+          <p:cNvPr id="4" name="pole tekstowe 3">
+            <a:extLst>
+              <a:ext uri="{FF2B5EF4-FFF2-40B4-BE49-F238E27FC236}">
+                <a16:creationId xmlns:a16="http://schemas.microsoft.com/office/drawing/2014/main" id="{16A1075B-C6AB-35EF-EA7E-3C9189492158}"/>
+              </a:ext>
+            </a:extLst>
+          </p:cNvPr>
+          <p:cNvSpPr txBox="1"/>
+          <p:nvPr/>
+        </p:nvSpPr>
+        <p:spPr>
+          <a:xfrm>
+            <a:off x="1115568" y="6329959"/>
+            <a:ext cx="2576346" cy="369332"/>
+          </a:xfrm>
+          <a:prstGeom prst="rect">
+            <a:avLst/>
+          </a:prstGeom>
+          <a:noFill/>
+        </p:spPr>
+        <p:txBody>
+          <a:bodyPr wrap="none" rtlCol="0">
+            <a:spAutoFit/>
+          </a:bodyPr>
+          <a:lstStyle/>
+          <a:p>
+            <a:r>
+              <a:rPr lang="pl-PL" dirty="0"/>
+              <a:t>Quiz – możliwe pytania</a:t>
+            </a:r>
+            <a:endParaRPr lang="en-GB" dirty="0"/>
+          </a:p>
+        </p:txBody>
+      </p:sp>
     </p:spTree>
     <p:extLst>
       <p:ext uri="{BB962C8B-B14F-4D97-AF65-F5344CB8AC3E}">
@@ -12129,6 +13202,42 @@
           </a:p>
         </p:txBody>
       </p:sp>
+      <p:sp>
+        <p:nvSpPr>
+          <p:cNvPr id="3" name="pole tekstowe 2">
+            <a:extLst>
+              <a:ext uri="{FF2B5EF4-FFF2-40B4-BE49-F238E27FC236}">
+                <a16:creationId xmlns:a16="http://schemas.microsoft.com/office/drawing/2014/main" id="{98D1C2BF-0A5E-7460-F0FD-77FE132551A1}"/>
+              </a:ext>
+            </a:extLst>
+          </p:cNvPr>
+          <p:cNvSpPr txBox="1"/>
+          <p:nvPr/>
+        </p:nvSpPr>
+        <p:spPr>
+          <a:xfrm>
+            <a:off x="1115568" y="6329959"/>
+            <a:ext cx="2576346" cy="369332"/>
+          </a:xfrm>
+          <a:prstGeom prst="rect">
+            <a:avLst/>
+          </a:prstGeom>
+          <a:noFill/>
+        </p:spPr>
+        <p:txBody>
+          <a:bodyPr wrap="none" rtlCol="0">
+            <a:spAutoFit/>
+          </a:bodyPr>
+          <a:lstStyle/>
+          <a:p>
+            <a:r>
+              <a:rPr lang="pl-PL" dirty="0"/>
+              <a:t>Quiz – możliwe pytania</a:t>
+            </a:r>
+            <a:endParaRPr lang="en-GB" dirty="0"/>
+          </a:p>
+        </p:txBody>
+      </p:sp>
     </p:spTree>
     <p:extLst>
       <p:ext uri="{BB962C8B-B14F-4D97-AF65-F5344CB8AC3E}">
@@ -12164,7 +13273,7 @@
           <p:cNvPr id="2" name="Tytuł 1">
             <a:extLst>
               <a:ext uri="{FF2B5EF4-FFF2-40B4-BE49-F238E27FC236}">
-                <a16:creationId xmlns:a16="http://schemas.microsoft.com/office/drawing/2014/main" id="{52EEC39C-A79E-91D5-939D-9D96A2BB39A3}"/>
+                <a16:creationId xmlns:a16="http://schemas.microsoft.com/office/drawing/2014/main" id="{F4C8D22D-C4D2-7CF1-3D67-247631A49A3F}"/>
               </a:ext>
             </a:extLst>
           </p:cNvPr>
@@ -12181,49 +13290,85 @@
           <a:lstStyle/>
           <a:p>
             <a:r>
-              <a:rPr lang="pl-PL"/>
-              <a:t>Serwer do przesyłania plików</a:t>
+              <a:rPr lang="pl-PL" dirty="0" err="1"/>
+              <a:t>Phishing</a:t>
             </a:r>
             <a:endParaRPr lang="en-GB" dirty="0"/>
           </a:p>
         </p:txBody>
       </p:sp>
-      <p:pic>
-        <p:nvPicPr>
-          <p:cNvPr id="5" name="Symbol zastępczy zawartości 4">
-            <a:extLst>
-              <a:ext uri="{FF2B5EF4-FFF2-40B4-BE49-F238E27FC236}">
-                <a16:creationId xmlns:a16="http://schemas.microsoft.com/office/drawing/2014/main" id="{455EF08F-B8DF-E25A-908A-2812ACF13078}"/>
-              </a:ext>
-            </a:extLst>
-          </p:cNvPr>
-          <p:cNvPicPr>
-            <a:picLocks noGrp="1" noChangeAspect="1"/>
-          </p:cNvPicPr>
+      <p:sp>
+        <p:nvSpPr>
+          <p:cNvPr id="3" name="Symbol zastępczy zawartości 2">
+            <a:extLst>
+              <a:ext uri="{FF2B5EF4-FFF2-40B4-BE49-F238E27FC236}">
+                <a16:creationId xmlns:a16="http://schemas.microsoft.com/office/drawing/2014/main" id="{DC78459B-EF3E-AC2C-1ED5-4562B6AA7986}"/>
+              </a:ext>
+            </a:extLst>
+          </p:cNvPr>
+          <p:cNvSpPr>
+            <a:spLocks noGrp="1"/>
+          </p:cNvSpPr>
           <p:nvPr>
             <p:ph idx="1"/>
           </p:nvPr>
-        </p:nvPicPr>
-        <p:blipFill>
-          <a:blip r:embed="rId2"/>
-          <a:stretch>
-            <a:fillRect/>
-          </a:stretch>
-        </p:blipFill>
+        </p:nvSpPr>
+        <p:spPr/>
+        <p:txBody>
+          <a:bodyPr/>
+          <a:lstStyle/>
+          <a:p>
+            <a:pPr marL="0" indent="0">
+              <a:buNone/>
+            </a:pPr>
+            <a:r>
+              <a:rPr lang="pl-PL" dirty="0"/>
+              <a:t>Jest to jeden z najpopularniejszych ataków, głównie opierających się na wysłaniu ofierze fałszywy link lub załącznik. Tego typu ataki bazują na podszywaniu się pod zaufane osoby, instytucje i wzbudzenie zaufania lub strachu, co spowoduje określone zachowanie ofiary i wyłudzenie danych.</a:t>
+            </a:r>
+            <a:endParaRPr lang="en-GB" dirty="0"/>
+          </a:p>
+        </p:txBody>
+      </p:sp>
+      <p:sp>
+        <p:nvSpPr>
+          <p:cNvPr id="5" name="pole tekstowe 4">
+            <a:extLst>
+              <a:ext uri="{FF2B5EF4-FFF2-40B4-BE49-F238E27FC236}">
+                <a16:creationId xmlns:a16="http://schemas.microsoft.com/office/drawing/2014/main" id="{F5AEB61C-B292-06F0-6E87-1FEF766C749D}"/>
+              </a:ext>
+            </a:extLst>
+          </p:cNvPr>
+          <p:cNvSpPr txBox="1"/>
+          <p:nvPr/>
+        </p:nvSpPr>
         <p:spPr>
           <a:xfrm>
-            <a:off x="2197287" y="2478088"/>
-            <a:ext cx="8005389" cy="3694112"/>
+            <a:off x="1115568" y="6329959"/>
+            <a:ext cx="2576346" cy="369332"/>
           </a:xfrm>
           <a:prstGeom prst="rect">
             <a:avLst/>
           </a:prstGeom>
+          <a:noFill/>
         </p:spPr>
-      </p:pic>
+        <p:txBody>
+          <a:bodyPr wrap="none" rtlCol="0">
+            <a:spAutoFit/>
+          </a:bodyPr>
+          <a:lstStyle/>
+          <a:p>
+            <a:r>
+              <a:rPr lang="pl-PL" dirty="0"/>
+              <a:t>Quiz – możliwe pytania</a:t>
+            </a:r>
+            <a:endParaRPr lang="en-GB" dirty="0"/>
+          </a:p>
+        </p:txBody>
+      </p:sp>
     </p:spTree>
     <p:extLst>
       <p:ext uri="{BB962C8B-B14F-4D97-AF65-F5344CB8AC3E}">
-        <p14:creationId xmlns:p14="http://schemas.microsoft.com/office/powerpoint/2010/main" val="686191371"/>
+        <p14:creationId xmlns:p14="http://schemas.microsoft.com/office/powerpoint/2010/main" val="876525065"/>
       </p:ext>
     </p:extLst>
   </p:cSld>
@@ -12236,6 +13381,14 @@
 <file path=ppt/slides/slide9.xml><?xml version="1.0" encoding="utf-8"?>
 <p:sld xmlns:a="http://schemas.openxmlformats.org/drawingml/2006/main" xmlns:r="http://schemas.openxmlformats.org/officeDocument/2006/relationships" xmlns:p="http://schemas.openxmlformats.org/presentationml/2006/main">
   <p:cSld>
+    <p:bg>
+      <p:bgPr>
+        <a:solidFill>
+          <a:schemeClr val="bg1"/>
+        </a:solidFill>
+        <a:effectLst/>
+      </p:bgPr>
+    </p:bg>
     <p:spTree>
       <p:nvGrpSpPr>
         <p:cNvPr id="1" name=""/>
@@ -12250,12 +13403,458 @@
           <a:chExt cx="0" cy="0"/>
         </a:xfrm>
       </p:grpSpPr>
+      <p:sp useBgFill="1">
+        <p:nvSpPr>
+          <p:cNvPr id="13" name="Rectangle 12">
+            <a:extLst>
+              <a:ext uri="{FF2B5EF4-FFF2-40B4-BE49-F238E27FC236}">
+                <a16:creationId xmlns:a16="http://schemas.microsoft.com/office/drawing/2014/main" id="{2D6FBB9D-1CAA-4D05-AB33-BABDFE17B843}"/>
+              </a:ext>
+              <a:ext uri="{C183D7F6-B498-43B3-948B-1728B52AA6E4}">
+                <adec:decorative xmlns:adec="http://schemas.microsoft.com/office/drawing/2017/decorative" val="1"/>
+              </a:ext>
+            </a:extLst>
+          </p:cNvPr>
+          <p:cNvSpPr>
+            <a:spLocks noGrp="1" noRot="1" noChangeAspect="1" noMove="1" noResize="1" noEditPoints="1" noAdjustHandles="1" noChangeArrowheads="1" noChangeShapeType="1" noTextEdit="1"/>
+          </p:cNvSpPr>
+          <p:nvPr>
+            <p:extLst>
+              <p:ext uri="{386F3935-93C4-4BCD-93E2-E3B085C9AB24}">
+                <p16:designElem xmlns:p16="http://schemas.microsoft.com/office/powerpoint/2015/main" val="1"/>
+              </p:ext>
+            </p:extLst>
+          </p:nvPr>
+        </p:nvSpPr>
+        <p:spPr>
+          <a:xfrm>
+            <a:off x="558209" y="0"/>
+            <a:ext cx="11167447" cy="2018806"/>
+          </a:xfrm>
+          <a:prstGeom prst="rect">
+            <a:avLst/>
+          </a:prstGeom>
+          <a:ln w="9525">
+            <a:solidFill>
+              <a:schemeClr val="tx2">
+                <a:lumMod val="10000"/>
+                <a:lumOff val="90000"/>
+              </a:schemeClr>
+            </a:solidFill>
+          </a:ln>
+          <a:effectLst>
+            <a:outerShdw blurRad="50800" dist="38100" dir="2700000" algn="tl" rotWithShape="0">
+              <a:schemeClr val="bg1">
+                <a:lumMod val="85000"/>
+                <a:alpha val="30000"/>
+              </a:schemeClr>
+            </a:outerShdw>
+          </a:effectLst>
+        </p:spPr>
+        <p:style>
+          <a:lnRef idx="2">
+            <a:schemeClr val="accent1">
+              <a:shade val="50000"/>
+            </a:schemeClr>
+          </a:lnRef>
+          <a:fillRef idx="1">
+            <a:schemeClr val="accent1"/>
+          </a:fillRef>
+          <a:effectRef idx="0">
+            <a:schemeClr val="accent1"/>
+          </a:effectRef>
+          <a:fontRef idx="minor">
+            <a:schemeClr val="lt1"/>
+          </a:fontRef>
+        </p:style>
+        <p:txBody>
+          <a:bodyPr rtlCol="0" anchor="ctr"/>
+          <a:lstStyle/>
+          <a:p>
+            <a:pPr marL="0" marR="0" lvl="0" indent="0" algn="ctr" defTabSz="914400" rtl="0" eaLnBrk="1" fontAlgn="auto" latinLnBrk="0" hangingPunct="1">
+              <a:lnSpc>
+                <a:spcPct val="100000"/>
+              </a:lnSpc>
+              <a:spcBef>
+                <a:spcPts val="0"/>
+              </a:spcBef>
+              <a:spcAft>
+                <a:spcPts val="0"/>
+              </a:spcAft>
+              <a:buClrTx/>
+              <a:buSzTx/>
+              <a:buFontTx/>
+              <a:buNone/>
+              <a:tabLst/>
+              <a:defRPr/>
+            </a:pPr>
+            <a:endParaRPr kumimoji="0" lang="en-US" sz="1800" b="0" i="0" u="none" strike="noStrike" kern="1200" cap="none" spc="0" normalizeH="0" baseline="0" noProof="0">
+              <a:ln>
+                <a:noFill/>
+              </a:ln>
+              <a:solidFill>
+                <a:prstClr val="white"/>
+              </a:solidFill>
+              <a:effectLst/>
+              <a:uLnTx/>
+              <a:uFillTx/>
+              <a:latin typeface="Calibri" panose="020F0502020204030204"/>
+              <a:ea typeface="+mn-ea"/>
+              <a:cs typeface="+mn-cs"/>
+            </a:endParaRPr>
+          </a:p>
+        </p:txBody>
+      </p:sp>
+      <p:sp useBgFill="1">
+        <p:nvSpPr>
+          <p:cNvPr id="15" name="Rectangle 14">
+            <a:extLst>
+              <a:ext uri="{FF2B5EF4-FFF2-40B4-BE49-F238E27FC236}">
+                <a16:creationId xmlns:a16="http://schemas.microsoft.com/office/drawing/2014/main" id="{04727B71-B4B6-4823-80A1-68C40B475118}"/>
+              </a:ext>
+              <a:ext uri="{C183D7F6-B498-43B3-948B-1728B52AA6E4}">
+                <adec:decorative xmlns:adec="http://schemas.microsoft.com/office/drawing/2017/decorative" val="1"/>
+              </a:ext>
+            </a:extLst>
+          </p:cNvPr>
+          <p:cNvSpPr>
+            <a:spLocks noGrp="1" noRot="1" noChangeAspect="1" noMove="1" noResize="1" noEditPoints="1" noAdjustHandles="1" noChangeArrowheads="1" noChangeShapeType="1" noTextEdit="1"/>
+          </p:cNvSpPr>
+          <p:nvPr>
+            <p:extLst>
+              <p:ext uri="{386F3935-93C4-4BCD-93E2-E3B085C9AB24}">
+                <p16:designElem xmlns:p16="http://schemas.microsoft.com/office/powerpoint/2015/main" val="1"/>
+              </p:ext>
+            </p:extLst>
+          </p:nvPr>
+        </p:nvSpPr>
+        <p:spPr>
+          <a:xfrm>
+            <a:off x="566928" y="0"/>
+            <a:ext cx="11155680" cy="2011680"/>
+          </a:xfrm>
+          <a:prstGeom prst="rect">
+            <a:avLst/>
+          </a:prstGeom>
+          <a:ln w="9525">
+            <a:noFill/>
+          </a:ln>
+          <a:effectLst/>
+        </p:spPr>
+        <p:style>
+          <a:lnRef idx="2">
+            <a:schemeClr val="accent1">
+              <a:shade val="50000"/>
+            </a:schemeClr>
+          </a:lnRef>
+          <a:fillRef idx="1">
+            <a:schemeClr val="accent1"/>
+          </a:fillRef>
+          <a:effectRef idx="0">
+            <a:schemeClr val="accent1"/>
+          </a:effectRef>
+          <a:fontRef idx="minor">
+            <a:schemeClr val="lt1"/>
+          </a:fontRef>
+        </p:style>
+        <p:txBody>
+          <a:bodyPr rtlCol="0" anchor="ctr"/>
+          <a:lstStyle/>
+          <a:p>
+            <a:pPr marL="0" marR="0" lvl="0" indent="0" algn="ctr" defTabSz="914400" rtl="0" eaLnBrk="1" fontAlgn="auto" latinLnBrk="0" hangingPunct="1">
+              <a:lnSpc>
+                <a:spcPct val="100000"/>
+              </a:lnSpc>
+              <a:spcBef>
+                <a:spcPts val="0"/>
+              </a:spcBef>
+              <a:spcAft>
+                <a:spcPts val="0"/>
+              </a:spcAft>
+              <a:buClrTx/>
+              <a:buSzTx/>
+              <a:buFontTx/>
+              <a:buNone/>
+              <a:tabLst/>
+              <a:defRPr/>
+            </a:pPr>
+            <a:endParaRPr kumimoji="0" lang="en-US" sz="1800" b="0" i="0" u="none" strike="noStrike" kern="1200" cap="none" spc="0" normalizeH="0" baseline="0" noProof="0">
+              <a:ln>
+                <a:noFill/>
+              </a:ln>
+              <a:solidFill>
+                <a:prstClr val="white"/>
+              </a:solidFill>
+              <a:effectLst/>
+              <a:uLnTx/>
+              <a:uFillTx/>
+              <a:latin typeface="Calibri" panose="020F0502020204030204"/>
+              <a:ea typeface="+mn-ea"/>
+              <a:cs typeface="+mn-cs"/>
+            </a:endParaRPr>
+          </a:p>
+        </p:txBody>
+      </p:sp>
       <p:sp>
         <p:nvSpPr>
-          <p:cNvPr id="2" name="Tytuł 1">
-            <a:extLst>
-              <a:ext uri="{FF2B5EF4-FFF2-40B4-BE49-F238E27FC236}">
-                <a16:creationId xmlns:a16="http://schemas.microsoft.com/office/drawing/2014/main" id="{9752CA37-AB61-08D7-A919-2225D161B169}"/>
+          <p:cNvPr id="17" name="Rectangle 16">
+            <a:extLst>
+              <a:ext uri="{FF2B5EF4-FFF2-40B4-BE49-F238E27FC236}">
+                <a16:creationId xmlns:a16="http://schemas.microsoft.com/office/drawing/2014/main" id="{79A6DB05-9FB5-4B07-8675-74C23D4FD89D}"/>
+              </a:ext>
+              <a:ext uri="{C183D7F6-B498-43B3-948B-1728B52AA6E4}">
+                <adec:decorative xmlns:adec="http://schemas.microsoft.com/office/drawing/2017/decorative" val="1"/>
+              </a:ext>
+            </a:extLst>
+          </p:cNvPr>
+          <p:cNvSpPr>
+            <a:spLocks noGrp="1" noRot="1" noChangeAspect="1" noMove="1" noResize="1" noEditPoints="1" noAdjustHandles="1" noChangeArrowheads="1" noChangeShapeType="1" noTextEdit="1"/>
+          </p:cNvSpPr>
+          <p:nvPr>
+            <p:extLst>
+              <p:ext uri="{386F3935-93C4-4BCD-93E2-E3B085C9AB24}">
+                <p16:designElem xmlns:p16="http://schemas.microsoft.com/office/powerpoint/2015/main" val="1"/>
+              </p:ext>
+            </p:extLst>
+          </p:nvPr>
+        </p:nvSpPr>
+        <p:spPr>
+          <a:xfrm>
+            <a:off x="498834" y="787352"/>
+            <a:ext cx="128016" cy="704088"/>
+          </a:xfrm>
+          <a:prstGeom prst="rect">
+            <a:avLst/>
+          </a:prstGeom>
+          <a:solidFill>
+            <a:schemeClr val="accent1"/>
+          </a:solidFill>
+          <a:ln>
+            <a:noFill/>
+          </a:ln>
+        </p:spPr>
+        <p:style>
+          <a:lnRef idx="2">
+            <a:schemeClr val="accent1">
+              <a:shade val="50000"/>
+            </a:schemeClr>
+          </a:lnRef>
+          <a:fillRef idx="1">
+            <a:schemeClr val="accent1"/>
+          </a:fillRef>
+          <a:effectRef idx="0">
+            <a:schemeClr val="accent1"/>
+          </a:effectRef>
+          <a:fontRef idx="minor">
+            <a:schemeClr val="lt1"/>
+          </a:fontRef>
+        </p:style>
+        <p:txBody>
+          <a:bodyPr rtlCol="0" anchor="ctr"/>
+          <a:lstStyle/>
+          <a:p>
+            <a:pPr marL="0" marR="0" lvl="0" indent="0" algn="ctr" defTabSz="914400" rtl="0" eaLnBrk="1" fontAlgn="auto" latinLnBrk="0" hangingPunct="1">
+              <a:lnSpc>
+                <a:spcPct val="100000"/>
+              </a:lnSpc>
+              <a:spcBef>
+                <a:spcPts val="0"/>
+              </a:spcBef>
+              <a:spcAft>
+                <a:spcPts val="0"/>
+              </a:spcAft>
+              <a:buClrTx/>
+              <a:buSzTx/>
+              <a:buFontTx/>
+              <a:buNone/>
+              <a:tabLst/>
+              <a:defRPr/>
+            </a:pPr>
+            <a:endParaRPr kumimoji="0" lang="en-US" sz="1800" b="0" i="0" u="none" strike="noStrike" kern="1200" cap="none" spc="0" normalizeH="0" baseline="0" noProof="0">
+              <a:ln>
+                <a:noFill/>
+              </a:ln>
+              <a:solidFill>
+                <a:prstClr val="white"/>
+              </a:solidFill>
+              <a:effectLst/>
+              <a:uLnTx/>
+              <a:uFillTx/>
+              <a:latin typeface="Calibri" panose="020F0502020204030204"/>
+              <a:ea typeface="+mn-ea"/>
+              <a:cs typeface="+mn-cs"/>
+            </a:endParaRPr>
+          </a:p>
+        </p:txBody>
+      </p:sp>
+      <p:sp useBgFill="1">
+        <p:nvSpPr>
+          <p:cNvPr id="19" name="Rectangle 18">
+            <a:extLst>
+              <a:ext uri="{FF2B5EF4-FFF2-40B4-BE49-F238E27FC236}">
+                <a16:creationId xmlns:a16="http://schemas.microsoft.com/office/drawing/2014/main" id="{2C9A9DA9-7DC8-488B-A882-123947B0F3D9}"/>
+              </a:ext>
+              <a:ext uri="{C183D7F6-B498-43B3-948B-1728B52AA6E4}">
+                <adec:decorative xmlns:adec="http://schemas.microsoft.com/office/drawing/2017/decorative" val="1"/>
+              </a:ext>
+            </a:extLst>
+          </p:cNvPr>
+          <p:cNvSpPr>
+            <a:spLocks noGrp="1" noRot="1" noChangeAspect="1" noMove="1" noResize="1" noEditPoints="1" noAdjustHandles="1" noChangeArrowheads="1" noChangeShapeType="1" noTextEdit="1"/>
+          </p:cNvSpPr>
+          <p:nvPr>
+            <p:extLst>
+              <p:ext uri="{386F3935-93C4-4BCD-93E2-E3B085C9AB24}">
+                <p16:designElem xmlns:p16="http://schemas.microsoft.com/office/powerpoint/2015/main" val="1"/>
+              </p:ext>
+            </p:extLst>
+          </p:nvPr>
+        </p:nvSpPr>
+        <p:spPr>
+          <a:xfrm>
+            <a:off x="0" y="0"/>
+            <a:ext cx="12192000" cy="6858000"/>
+          </a:xfrm>
+          <a:prstGeom prst="rect">
+            <a:avLst/>
+          </a:prstGeom>
+          <a:ln>
+            <a:noFill/>
+          </a:ln>
+        </p:spPr>
+        <p:style>
+          <a:lnRef idx="2">
+            <a:schemeClr val="accent1">
+              <a:shade val="50000"/>
+            </a:schemeClr>
+          </a:lnRef>
+          <a:fillRef idx="1">
+            <a:schemeClr val="accent1"/>
+          </a:fillRef>
+          <a:effectRef idx="0">
+            <a:schemeClr val="accent1"/>
+          </a:effectRef>
+          <a:fontRef idx="minor">
+            <a:schemeClr val="lt1"/>
+          </a:fontRef>
+        </p:style>
+        <p:txBody>
+          <a:bodyPr rtlCol="0" anchor="ctr"/>
+          <a:lstStyle/>
+          <a:p>
+            <a:pPr algn="ctr"/>
+            <a:endParaRPr lang="en-US"/>
+          </a:p>
+        </p:txBody>
+      </p:sp>
+      <p:sp useBgFill="1">
+        <p:nvSpPr>
+          <p:cNvPr id="21" name="Rectangle 20">
+            <a:extLst>
+              <a:ext uri="{FF2B5EF4-FFF2-40B4-BE49-F238E27FC236}">
+                <a16:creationId xmlns:a16="http://schemas.microsoft.com/office/drawing/2014/main" id="{57F6BDD4-E066-4008-8011-6CC31AEB4556}"/>
+              </a:ext>
+              <a:ext uri="{C183D7F6-B498-43B3-948B-1728B52AA6E4}">
+                <adec:decorative xmlns:adec="http://schemas.microsoft.com/office/drawing/2017/decorative" val="1"/>
+              </a:ext>
+            </a:extLst>
+          </p:cNvPr>
+          <p:cNvSpPr>
+            <a:spLocks noGrp="1" noRot="1" noChangeAspect="1" noMove="1" noResize="1" noEditPoints="1" noAdjustHandles="1" noChangeArrowheads="1" noChangeShapeType="1" noTextEdit="1"/>
+          </p:cNvSpPr>
+          <p:nvPr>
+            <p:extLst>
+              <p:ext uri="{386F3935-93C4-4BCD-93E2-E3B085C9AB24}">
+                <p16:designElem xmlns:p16="http://schemas.microsoft.com/office/powerpoint/2015/main" val="1"/>
+              </p:ext>
+            </p:extLst>
+          </p:nvPr>
+        </p:nvSpPr>
+        <p:spPr>
+          <a:xfrm>
+            <a:off x="409575" y="633619"/>
+            <a:ext cx="6838569" cy="5495925"/>
+          </a:xfrm>
+          <a:prstGeom prst="rect">
+            <a:avLst/>
+          </a:prstGeom>
+          <a:ln w="9525">
+            <a:solidFill>
+              <a:schemeClr val="tx2">
+                <a:lumMod val="10000"/>
+                <a:lumOff val="90000"/>
+              </a:schemeClr>
+            </a:solidFill>
+          </a:ln>
+          <a:effectLst>
+            <a:outerShdw blurRad="50800" dist="38100" dir="2700000" algn="tl" rotWithShape="0">
+              <a:schemeClr val="bg1">
+                <a:lumMod val="85000"/>
+                <a:alpha val="30000"/>
+              </a:schemeClr>
+            </a:outerShdw>
+          </a:effectLst>
+        </p:spPr>
+        <p:style>
+          <a:lnRef idx="2">
+            <a:schemeClr val="accent1">
+              <a:shade val="50000"/>
+            </a:schemeClr>
+          </a:lnRef>
+          <a:fillRef idx="1">
+            <a:schemeClr val="accent1"/>
+          </a:fillRef>
+          <a:effectRef idx="0">
+            <a:schemeClr val="accent1"/>
+          </a:effectRef>
+          <a:fontRef idx="minor">
+            <a:schemeClr val="lt1"/>
+          </a:fontRef>
+        </p:style>
+        <p:txBody>
+          <a:bodyPr rtlCol="0" anchor="ctr"/>
+          <a:lstStyle/>
+          <a:p>
+            <a:pPr marL="0" marR="0" lvl="0" indent="0" algn="ctr" defTabSz="914400" rtl="0" eaLnBrk="1" fontAlgn="auto" latinLnBrk="0" hangingPunct="1">
+              <a:lnSpc>
+                <a:spcPct val="100000"/>
+              </a:lnSpc>
+              <a:spcBef>
+                <a:spcPts val="0"/>
+              </a:spcBef>
+              <a:spcAft>
+                <a:spcPts val="0"/>
+              </a:spcAft>
+              <a:buClrTx/>
+              <a:buSzTx/>
+              <a:buFontTx/>
+              <a:buNone/>
+              <a:tabLst/>
+              <a:defRPr/>
+            </a:pPr>
+            <a:endParaRPr kumimoji="0" lang="en-US" sz="1800" b="0" i="0" u="none" strike="noStrike" kern="1200" cap="none" spc="0" normalizeH="0" baseline="0" noProof="0">
+              <a:ln>
+                <a:noFill/>
+              </a:ln>
+              <a:solidFill>
+                <a:prstClr val="white"/>
+              </a:solidFill>
+              <a:effectLst/>
+              <a:uLnTx/>
+              <a:uFillTx/>
+              <a:latin typeface="Calibri" panose="020F0502020204030204"/>
+              <a:ea typeface="+mn-ea"/>
+              <a:cs typeface="+mn-cs"/>
+            </a:endParaRPr>
+          </a:p>
+        </p:txBody>
+      </p:sp>
+      <p:sp>
+        <p:nvSpPr>
+          <p:cNvPr id="4" name="Tytuł 3">
+            <a:extLst>
+              <a:ext uri="{FF2B5EF4-FFF2-40B4-BE49-F238E27FC236}">
+                <a16:creationId xmlns:a16="http://schemas.microsoft.com/office/drawing/2014/main" id="{6205E5B7-5466-E6B1-7ED7-4BE20F51CC8D}"/>
               </a:ext>
             </a:extLst>
           </p:cNvPr>
@@ -12266,25 +13865,219 @@
             <p:ph type="title"/>
           </p:nvPr>
         </p:nvSpPr>
-        <p:spPr/>
-        <p:txBody>
-          <a:bodyPr/>
+        <p:spPr>
+          <a:xfrm>
+            <a:off x="841246" y="978619"/>
+            <a:ext cx="5991244" cy="1106424"/>
+          </a:xfrm>
+        </p:spPr>
+        <p:txBody>
+          <a:bodyPr vert="horz" lIns="91440" tIns="45720" rIns="91440" bIns="45720" rtlCol="0" anchor="ctr">
+            <a:normAutofit/>
+          </a:bodyPr>
           <a:lstStyle/>
           <a:p>
             <a:r>
-              <a:rPr lang="pl-PL" dirty="0" err="1"/>
-              <a:t>VirusTotal</a:t>
-            </a:r>
-            <a:endParaRPr lang="en-GB" dirty="0"/>
+              <a:rPr lang="en-US" sz="3200"/>
+              <a:t>Dlaczego phishing jest tak niebezpieczny?</a:t>
+            </a:r>
           </a:p>
         </p:txBody>
       </p:sp>
       <p:sp>
         <p:nvSpPr>
-          <p:cNvPr id="3" name="Symbol zastępczy zawartości 2">
-            <a:extLst>
-              <a:ext uri="{FF2B5EF4-FFF2-40B4-BE49-F238E27FC236}">
-                <a16:creationId xmlns:a16="http://schemas.microsoft.com/office/drawing/2014/main" id="{53F177E5-3671-CAD7-E81D-4F61503D079F}"/>
+          <p:cNvPr id="23" name="Rectangle 22">
+            <a:extLst>
+              <a:ext uri="{FF2B5EF4-FFF2-40B4-BE49-F238E27FC236}">
+                <a16:creationId xmlns:a16="http://schemas.microsoft.com/office/drawing/2014/main" id="{2711A8FB-68FC-45FC-B01E-38F809E2D439}"/>
+              </a:ext>
+              <a:ext uri="{C183D7F6-B498-43B3-948B-1728B52AA6E4}">
+                <adec:decorative xmlns:adec="http://schemas.microsoft.com/office/drawing/2017/decorative" val="1"/>
+              </a:ext>
+            </a:extLst>
+          </p:cNvPr>
+          <p:cNvSpPr>
+            <a:spLocks noGrp="1" noRot="1" noChangeAspect="1" noMove="1" noResize="1" noEditPoints="1" noAdjustHandles="1" noChangeArrowheads="1" noChangeShapeType="1" noTextEdit="1"/>
+          </p:cNvSpPr>
+          <p:nvPr>
+            <p:extLst>
+              <p:ext uri="{386F3935-93C4-4BCD-93E2-E3B085C9AB24}">
+                <p16:designElem xmlns:p16="http://schemas.microsoft.com/office/powerpoint/2015/main" val="1"/>
+              </p:ext>
+            </p:extLst>
+          </p:nvPr>
+        </p:nvSpPr>
+        <p:spPr>
+          <a:xfrm>
+            <a:off x="345567" y="1171300"/>
+            <a:ext cx="128016" cy="704088"/>
+          </a:xfrm>
+          <a:prstGeom prst="rect">
+            <a:avLst/>
+          </a:prstGeom>
+          <a:solidFill>
+            <a:schemeClr val="accent1"/>
+          </a:solidFill>
+          <a:ln>
+            <a:noFill/>
+          </a:ln>
+        </p:spPr>
+        <p:style>
+          <a:lnRef idx="2">
+            <a:schemeClr val="accent1">
+              <a:shade val="50000"/>
+            </a:schemeClr>
+          </a:lnRef>
+          <a:fillRef idx="1">
+            <a:schemeClr val="accent1"/>
+          </a:fillRef>
+          <a:effectRef idx="0">
+            <a:schemeClr val="accent1"/>
+          </a:effectRef>
+          <a:fontRef idx="minor">
+            <a:schemeClr val="lt1"/>
+          </a:fontRef>
+        </p:style>
+        <p:txBody>
+          <a:bodyPr rtlCol="0" anchor="ctr"/>
+          <a:lstStyle/>
+          <a:p>
+            <a:pPr marL="0" marR="0" lvl="0" indent="0" algn="ctr" defTabSz="914400" rtl="0" eaLnBrk="1" fontAlgn="auto" latinLnBrk="0" hangingPunct="1">
+              <a:lnSpc>
+                <a:spcPct val="100000"/>
+              </a:lnSpc>
+              <a:spcBef>
+                <a:spcPts val="0"/>
+              </a:spcBef>
+              <a:spcAft>
+                <a:spcPts val="0"/>
+              </a:spcAft>
+              <a:buClrTx/>
+              <a:buSzTx/>
+              <a:buFontTx/>
+              <a:buNone/>
+              <a:tabLst/>
+              <a:defRPr/>
+            </a:pPr>
+            <a:endParaRPr kumimoji="0" lang="en-US" sz="1800" b="0" i="0" u="none" strike="noStrike" kern="1200" cap="none" spc="0" normalizeH="0" baseline="0" noProof="0">
+              <a:ln>
+                <a:noFill/>
+              </a:ln>
+              <a:solidFill>
+                <a:prstClr val="white"/>
+              </a:solidFill>
+              <a:effectLst/>
+              <a:uLnTx/>
+              <a:uFillTx/>
+              <a:latin typeface="Calibri" panose="020F0502020204030204"/>
+              <a:ea typeface="+mn-ea"/>
+              <a:cs typeface="+mn-cs"/>
+            </a:endParaRPr>
+          </a:p>
+        </p:txBody>
+      </p:sp>
+      <p:sp>
+        <p:nvSpPr>
+          <p:cNvPr id="25" name="Rectangle 24">
+            <a:extLst>
+              <a:ext uri="{FF2B5EF4-FFF2-40B4-BE49-F238E27FC236}">
+                <a16:creationId xmlns:a16="http://schemas.microsoft.com/office/drawing/2014/main" id="{2A865FE3-5FC9-4049-87CF-30019C46C0F5}"/>
+              </a:ext>
+              <a:ext uri="{C183D7F6-B498-43B3-948B-1728B52AA6E4}">
+                <adec:decorative xmlns:adec="http://schemas.microsoft.com/office/drawing/2017/decorative" val="1"/>
+              </a:ext>
+            </a:extLst>
+          </p:cNvPr>
+          <p:cNvSpPr>
+            <a:spLocks noGrp="1" noRot="1" noChangeAspect="1" noMove="1" noResize="1" noEditPoints="1" noAdjustHandles="1" noChangeArrowheads="1" noChangeShapeType="1" noTextEdit="1"/>
+          </p:cNvSpPr>
+          <p:nvPr>
+            <p:extLst>
+              <p:ext uri="{386F3935-93C4-4BCD-93E2-E3B085C9AB24}">
+                <p16:designElem xmlns:p16="http://schemas.microsoft.com/office/powerpoint/2015/main" val="1"/>
+              </p:ext>
+            </p:extLst>
+          </p:nvPr>
+        </p:nvSpPr>
+        <p:spPr>
+          <a:xfrm>
+            <a:off x="877458" y="2093976"/>
+            <a:ext cx="5846683" cy="9144"/>
+          </a:xfrm>
+          <a:prstGeom prst="rect">
+            <a:avLst/>
+          </a:prstGeom>
+          <a:solidFill>
+            <a:schemeClr val="tx2">
+              <a:lumMod val="25000"/>
+              <a:lumOff val="75000"/>
+            </a:schemeClr>
+          </a:solidFill>
+          <a:ln w="3175">
+            <a:noFill/>
+          </a:ln>
+          <a:effectLst/>
+        </p:spPr>
+        <p:style>
+          <a:lnRef idx="2">
+            <a:schemeClr val="accent1">
+              <a:shade val="50000"/>
+            </a:schemeClr>
+          </a:lnRef>
+          <a:fillRef idx="1">
+            <a:schemeClr val="accent1"/>
+          </a:fillRef>
+          <a:effectRef idx="0">
+            <a:schemeClr val="accent1"/>
+          </a:effectRef>
+          <a:fontRef idx="minor">
+            <a:schemeClr val="lt1"/>
+          </a:fontRef>
+        </p:style>
+        <p:txBody>
+          <a:bodyPr rtlCol="0" anchor="ctr"/>
+          <a:lstStyle/>
+          <a:p>
+            <a:pPr marL="0" marR="0" lvl="0" indent="0" algn="ctr" defTabSz="914400" rtl="0" eaLnBrk="1" fontAlgn="auto" latinLnBrk="0" hangingPunct="1">
+              <a:lnSpc>
+                <a:spcPct val="100000"/>
+              </a:lnSpc>
+              <a:spcBef>
+                <a:spcPts val="0"/>
+              </a:spcBef>
+              <a:spcAft>
+                <a:spcPts val="0"/>
+              </a:spcAft>
+              <a:buClrTx/>
+              <a:buSzTx/>
+              <a:buFontTx/>
+              <a:buNone/>
+              <a:tabLst/>
+              <a:defRPr/>
+            </a:pPr>
+            <a:endParaRPr kumimoji="0" lang="en-US" sz="1800" b="0" i="0" u="none" strike="noStrike" kern="1200" cap="none" spc="0" normalizeH="0" baseline="0" noProof="0">
+              <a:ln>
+                <a:noFill/>
+              </a:ln>
+              <a:solidFill>
+                <a:prstClr val="white"/>
+              </a:solidFill>
+              <a:effectLst/>
+              <a:uLnTx/>
+              <a:uFillTx/>
+              <a:latin typeface="Calibri" panose="020F0502020204030204"/>
+              <a:ea typeface="+mn-ea"/>
+              <a:cs typeface="+mn-cs"/>
+            </a:endParaRPr>
+          </a:p>
+        </p:txBody>
+      </p:sp>
+      <p:sp>
+        <p:nvSpPr>
+          <p:cNvPr id="5" name="Symbol zastępczy zawartości 4">
+            <a:extLst>
+              <a:ext uri="{FF2B5EF4-FFF2-40B4-BE49-F238E27FC236}">
+                <a16:creationId xmlns:a16="http://schemas.microsoft.com/office/drawing/2014/main" id="{8F50CDDB-A050-746B-D7FE-C84F93395393}"/>
               </a:ext>
             </a:extLst>
           </p:cNvPr>
@@ -12292,24 +14085,191 @@
             <a:spLocks noGrp="1"/>
           </p:cNvSpPr>
           <p:nvPr>
-            <p:ph idx="1"/>
+            <p:ph sz="half" idx="1"/>
           </p:nvPr>
         </p:nvSpPr>
-        <p:spPr/>
-        <p:txBody>
-          <a:bodyPr/>
+        <p:spPr>
+          <a:xfrm>
+            <a:off x="841248" y="2252870"/>
+            <a:ext cx="5993892" cy="3560251"/>
+          </a:xfrm>
+        </p:spPr>
+        <p:txBody>
+          <a:bodyPr vert="horz" lIns="91440" tIns="45720" rIns="91440" bIns="45720" rtlCol="0">
+            <a:normAutofit/>
+          </a:bodyPr>
           <a:lstStyle/>
           <a:p>
             <a:pPr marL="0" indent="0">
               <a:buNone/>
             </a:pPr>
             <a:r>
-              <a:rPr lang="pl-PL" dirty="0" err="1"/>
-              <a:t>VirusTotal</a:t>
-            </a:r>
+              <a:rPr lang="en-US" sz="1800" dirty="0" err="1"/>
+              <a:t>Ataki</a:t>
+            </a:r>
+            <a:r>
+              <a:rPr lang="en-US" sz="1800" dirty="0"/>
+              <a:t> </a:t>
+            </a:r>
+            <a:r>
+              <a:rPr lang="en-US" sz="1800" dirty="0" err="1"/>
+              <a:t>phishingowe</a:t>
+            </a:r>
+            <a:r>
+              <a:rPr lang="en-US" sz="1800" dirty="0"/>
+              <a:t> </a:t>
+            </a:r>
+            <a:r>
+              <a:rPr lang="en-US" sz="1800" dirty="0" err="1"/>
+              <a:t>mają</a:t>
+            </a:r>
+            <a:r>
+              <a:rPr lang="en-US" sz="1800" dirty="0"/>
+              <a:t> </a:t>
+            </a:r>
+            <a:r>
+              <a:rPr lang="en-US" sz="1800" dirty="0" err="1"/>
+              <a:t>największy</a:t>
+            </a:r>
+            <a:r>
+              <a:rPr lang="en-US" sz="1800" dirty="0"/>
+              <a:t> </a:t>
+            </a:r>
+            <a:r>
+              <a:rPr lang="en-US" sz="1800" dirty="0" err="1"/>
+              <a:t>udział</a:t>
+            </a:r>
+            <a:r>
+              <a:rPr lang="en-US" sz="1800" dirty="0"/>
+              <a:t> </a:t>
+            </a:r>
+            <a:r>
+              <a:rPr lang="en-US" sz="1800" dirty="0" err="1"/>
+              <a:t>procentowy</a:t>
+            </a:r>
+            <a:r>
+              <a:rPr lang="en-US" sz="1800" dirty="0"/>
+              <a:t> </a:t>
+            </a:r>
+            <a:r>
+              <a:rPr lang="en-US" sz="1800" dirty="0" err="1"/>
+              <a:t>spośród</a:t>
+            </a:r>
+            <a:r>
+              <a:rPr lang="en-US" sz="1800" dirty="0"/>
+              <a:t> </a:t>
+            </a:r>
+            <a:r>
+              <a:rPr lang="en-US" sz="1800" dirty="0" err="1"/>
+              <a:t>wszystkich</a:t>
+            </a:r>
+            <a:r>
+              <a:rPr lang="en-US" sz="1800" dirty="0"/>
+              <a:t> </a:t>
+            </a:r>
+            <a:r>
+              <a:rPr lang="en-US" sz="1800" dirty="0" err="1"/>
+              <a:t>ataków</a:t>
+            </a:r>
+            <a:r>
+              <a:rPr lang="en-US" sz="1800" dirty="0"/>
+              <a:t> 20-38% w </a:t>
+            </a:r>
+            <a:r>
+              <a:rPr lang="en-US" sz="1800" dirty="0" err="1"/>
+              <a:t>zależności</a:t>
+            </a:r>
+            <a:r>
+              <a:rPr lang="en-US" sz="1800" dirty="0"/>
+              <a:t> od </a:t>
+            </a:r>
+            <a:r>
+              <a:rPr lang="en-US" sz="1800" dirty="0" err="1"/>
+              <a:t>źródła</a:t>
+            </a:r>
+            <a:r>
+              <a:rPr lang="en-US" sz="1800" dirty="0"/>
+              <a:t>.</a:t>
+            </a:r>
+            <a:r>
+              <a:rPr lang="pl-PL" sz="1800" dirty="0"/>
+              <a:t> Powodują one ogromne straty rosnące z roku na rok. Szacuje się, że dziennie wysyłanych jest 3.4 miliarda e-maili </a:t>
+            </a:r>
+            <a:r>
+              <a:rPr lang="pl-PL" sz="1800" dirty="0" err="1"/>
+              <a:t>phishinowych</a:t>
+            </a:r>
+            <a:r>
+              <a:rPr lang="pl-PL" sz="1800" dirty="0"/>
+              <a:t>. </a:t>
+            </a:r>
+            <a:endParaRPr lang="en-US" sz="1800" dirty="0"/>
+          </a:p>
+        </p:txBody>
+      </p:sp>
+      <p:pic>
+        <p:nvPicPr>
+          <p:cNvPr id="8" name="Symbol zastępczy zawartości 7">
+            <a:extLst>
+              <a:ext uri="{FF2B5EF4-FFF2-40B4-BE49-F238E27FC236}">
+                <a16:creationId xmlns:a16="http://schemas.microsoft.com/office/drawing/2014/main" id="{17C77F26-8A29-3636-A4CA-7DC5757035C9}"/>
+              </a:ext>
+            </a:extLst>
+          </p:cNvPr>
+          <p:cNvPicPr>
+            <a:picLocks noGrp="1" noChangeAspect="1"/>
+          </p:cNvPicPr>
+          <p:nvPr>
+            <p:ph sz="half" idx="2"/>
+          </p:nvPr>
+        </p:nvPicPr>
+        <p:blipFill>
+          <a:blip r:embed="rId2"/>
+          <a:stretch>
+            <a:fillRect/>
+          </a:stretch>
+        </p:blipFill>
+        <p:spPr>
+          <a:xfrm>
+            <a:off x="7688422" y="630936"/>
+            <a:ext cx="4080441" cy="5495544"/>
+          </a:xfrm>
+          <a:prstGeom prst="rect">
+            <a:avLst/>
+          </a:prstGeom>
+        </p:spPr>
+      </p:pic>
+      <p:sp>
+        <p:nvSpPr>
+          <p:cNvPr id="9" name="pole tekstowe 8">
+            <a:extLst>
+              <a:ext uri="{FF2B5EF4-FFF2-40B4-BE49-F238E27FC236}">
+                <a16:creationId xmlns:a16="http://schemas.microsoft.com/office/drawing/2014/main" id="{362CF2DC-F262-D2B4-85D1-ED767AA39A2E}"/>
+              </a:ext>
+            </a:extLst>
+          </p:cNvPr>
+          <p:cNvSpPr txBox="1"/>
+          <p:nvPr/>
+        </p:nvSpPr>
+        <p:spPr>
+          <a:xfrm>
+            <a:off x="1115568" y="6329959"/>
+            <a:ext cx="2576346" cy="369332"/>
+          </a:xfrm>
+          <a:prstGeom prst="rect">
+            <a:avLst/>
+          </a:prstGeom>
+          <a:noFill/>
+        </p:spPr>
+        <p:txBody>
+          <a:bodyPr wrap="none" rtlCol="0">
+            <a:spAutoFit/>
+          </a:bodyPr>
+          <a:lstStyle/>
+          <a:p>
             <a:r>
               <a:rPr lang="pl-PL" dirty="0"/>
-              <a:t> jest to strona służąca do analizy podejrzanych plików, domen, IP oraz URL do wykrywania złośliwego oprogramowania. Używamy API, aby sprawdzać przesyłane pliki czy nie zawierają one złośliwego oprogramowania.</a:t>
+              <a:t>Quiz – możliwe pytania</a:t>
             </a:r>
             <a:endParaRPr lang="en-GB" dirty="0"/>
           </a:p>
@@ -12318,7 +14278,7 @@
     </p:spTree>
     <p:extLst>
       <p:ext uri="{BB962C8B-B14F-4D97-AF65-F5344CB8AC3E}">
-        <p14:creationId xmlns:p14="http://schemas.microsoft.com/office/powerpoint/2010/main" val="4277937291"/>
+        <p14:creationId xmlns:p14="http://schemas.microsoft.com/office/powerpoint/2010/main" val="1177840051"/>
       </p:ext>
     </p:extLst>
   </p:cSld>
@@ -12527,4 +14487,319 @@
     </a:ext>
   </a:extLst>
 </a:theme>
+</file>
+
+<file path=ppt/theme/theme2.xml><?xml version="1.0" encoding="utf-8"?>
+<a:theme xmlns:a="http://schemas.openxmlformats.org/drawingml/2006/main" name="Motyw pakietu Office">
+  <a:themeElements>
+    <a:clrScheme name="Pakiet Office">
+      <a:dk1>
+        <a:sysClr val="windowText" lastClr="000000"/>
+      </a:dk1>
+      <a:lt1>
+        <a:sysClr val="window" lastClr="FFFFFF"/>
+      </a:lt1>
+      <a:dk2>
+        <a:srgbClr val="0E2841"/>
+      </a:dk2>
+      <a:lt2>
+        <a:srgbClr val="E8E8E8"/>
+      </a:lt2>
+      <a:accent1>
+        <a:srgbClr val="156082"/>
+      </a:accent1>
+      <a:accent2>
+        <a:srgbClr val="E97132"/>
+      </a:accent2>
+      <a:accent3>
+        <a:srgbClr val="196B24"/>
+      </a:accent3>
+      <a:accent4>
+        <a:srgbClr val="0F9ED5"/>
+      </a:accent4>
+      <a:accent5>
+        <a:srgbClr val="A02B93"/>
+      </a:accent5>
+      <a:accent6>
+        <a:srgbClr val="4EA72E"/>
+      </a:accent6>
+      <a:hlink>
+        <a:srgbClr val="467886"/>
+      </a:hlink>
+      <a:folHlink>
+        <a:srgbClr val="96607D"/>
+      </a:folHlink>
+    </a:clrScheme>
+    <a:fontScheme name="Pakiet Office">
+      <a:majorFont>
+        <a:latin typeface="Aptos Display" panose="02110004020202020204"/>
+        <a:ea typeface=""/>
+        <a:cs typeface=""/>
+        <a:font script="Jpan" typeface="游ゴシック Light"/>
+        <a:font script="Hang" typeface="맑은 고딕"/>
+        <a:font script="Hans" typeface="等线 Light"/>
+        <a:font script="Hant" typeface="新細明體"/>
+        <a:font script="Arab" typeface="Times New Roman"/>
+        <a:font script="Hebr" typeface="Times New Roman"/>
+        <a:font script="Thai" typeface="Angsana New"/>
+        <a:font script="Ethi" typeface="Nyala"/>
+        <a:font script="Beng" typeface="Vrinda"/>
+        <a:font script="Gujr" typeface="Shruti"/>
+        <a:font script="Khmr" typeface="MoolBoran"/>
+        <a:font script="Knda" typeface="Tunga"/>
+        <a:font script="Guru" typeface="Raavi"/>
+        <a:font script="Cans" typeface="Euphemia"/>
+        <a:font script="Cher" typeface="Plantagenet Cherokee"/>
+        <a:font script="Yiii" typeface="Microsoft Yi Baiti"/>
+        <a:font script="Tibt" typeface="Microsoft Himalaya"/>
+        <a:font script="Thaa" typeface="MV Boli"/>
+        <a:font script="Deva" typeface="Mangal"/>
+        <a:font script="Telu" typeface="Gautami"/>
+        <a:font script="Taml" typeface="Latha"/>
+        <a:font script="Syrc" typeface="Estrangelo Edessa"/>
+        <a:font script="Orya" typeface="Kalinga"/>
+        <a:font script="Mlym" typeface="Kartika"/>
+        <a:font script="Laoo" typeface="DokChampa"/>
+        <a:font script="Sinh" typeface="Iskoola Pota"/>
+        <a:font script="Mong" typeface="Mongolian Baiti"/>
+        <a:font script="Viet" typeface="Times New Roman"/>
+        <a:font script="Uigh" typeface="Microsoft Uighur"/>
+        <a:font script="Geor" typeface="Sylfaen"/>
+        <a:font script="Armn" typeface="Arial"/>
+        <a:font script="Bugi" typeface="Leelawadee UI"/>
+        <a:font script="Bopo" typeface="Microsoft JhengHei"/>
+        <a:font script="Java" typeface="Javanese Text"/>
+        <a:font script="Lisu" typeface="Segoe UI"/>
+        <a:font script="Mymr" typeface="Myanmar Text"/>
+        <a:font script="Nkoo" typeface="Ebrima"/>
+        <a:font script="Olck" typeface="Nirmala UI"/>
+        <a:font script="Osma" typeface="Ebrima"/>
+        <a:font script="Phag" typeface="Phagspa"/>
+        <a:font script="Syrn" typeface="Estrangelo Edessa"/>
+        <a:font script="Syrj" typeface="Estrangelo Edessa"/>
+        <a:font script="Syre" typeface="Estrangelo Edessa"/>
+        <a:font script="Sora" typeface="Nirmala UI"/>
+        <a:font script="Tale" typeface="Microsoft Tai Le"/>
+        <a:font script="Talu" typeface="Microsoft New Tai Lue"/>
+        <a:font script="Tfng" typeface="Ebrima"/>
+      </a:majorFont>
+      <a:minorFont>
+        <a:latin typeface="Aptos" panose="02110004020202020204"/>
+        <a:ea typeface=""/>
+        <a:cs typeface=""/>
+        <a:font script="Jpan" typeface="游ゴシック"/>
+        <a:font script="Hang" typeface="맑은 고딕"/>
+        <a:font script="Hans" typeface="等线"/>
+        <a:font script="Hant" typeface="新細明體"/>
+        <a:font script="Arab" typeface="Arial"/>
+        <a:font script="Hebr" typeface="Arial"/>
+        <a:font script="Thai" typeface="Cordia New"/>
+        <a:font script="Ethi" typeface="Nyala"/>
+        <a:font script="Beng" typeface="Vrinda"/>
+        <a:font script="Gujr" typeface="Shruti"/>
+        <a:font script="Khmr" typeface="DaunPenh"/>
+        <a:font script="Knda" typeface="Tunga"/>
+        <a:font script="Guru" typeface="Raavi"/>
+        <a:font script="Cans" typeface="Euphemia"/>
+        <a:font script="Cher" typeface="Plantagenet Cherokee"/>
+        <a:font script="Yiii" typeface="Microsoft Yi Baiti"/>
+        <a:font script="Tibt" typeface="Microsoft Himalaya"/>
+        <a:font script="Thaa" typeface="MV Boli"/>
+        <a:font script="Deva" typeface="Mangal"/>
+        <a:font script="Telu" typeface="Gautami"/>
+        <a:font script="Taml" typeface="Latha"/>
+        <a:font script="Syrc" typeface="Estrangelo Edessa"/>
+        <a:font script="Orya" typeface="Kalinga"/>
+        <a:font script="Mlym" typeface="Kartika"/>
+        <a:font script="Laoo" typeface="DokChampa"/>
+        <a:font script="Sinh" typeface="Iskoola Pota"/>
+        <a:font script="Mong" typeface="Mongolian Baiti"/>
+        <a:font script="Viet" typeface="Arial"/>
+        <a:font script="Uigh" typeface="Microsoft Uighur"/>
+        <a:font script="Geor" typeface="Sylfaen"/>
+        <a:font script="Armn" typeface="Arial"/>
+        <a:font script="Bugi" typeface="Leelawadee UI"/>
+        <a:font script="Bopo" typeface="Microsoft JhengHei"/>
+        <a:font script="Java" typeface="Javanese Text"/>
+        <a:font script="Lisu" typeface="Segoe UI"/>
+        <a:font script="Mymr" typeface="Myanmar Text"/>
+        <a:font script="Nkoo" typeface="Ebrima"/>
+        <a:font script="Olck" typeface="Nirmala UI"/>
+        <a:font script="Osma" typeface="Ebrima"/>
+        <a:font script="Phag" typeface="Phagspa"/>
+        <a:font script="Syrn" typeface="Estrangelo Edessa"/>
+        <a:font script="Syrj" typeface="Estrangelo Edessa"/>
+        <a:font script="Syre" typeface="Estrangelo Edessa"/>
+        <a:font script="Sora" typeface="Nirmala UI"/>
+        <a:font script="Tale" typeface="Microsoft Tai Le"/>
+        <a:font script="Talu" typeface="Microsoft New Tai Lue"/>
+        <a:font script="Tfng" typeface="Ebrima"/>
+      </a:minorFont>
+    </a:fontScheme>
+    <a:fmtScheme name="Pakiet Office">
+      <a:fillStyleLst>
+        <a:solidFill>
+          <a:schemeClr val="phClr"/>
+        </a:solidFill>
+        <a:gradFill rotWithShape="1">
+          <a:gsLst>
+            <a:gs pos="0">
+              <a:schemeClr val="phClr">
+                <a:lumMod val="110000"/>
+                <a:satMod val="105000"/>
+                <a:tint val="67000"/>
+              </a:schemeClr>
+            </a:gs>
+            <a:gs pos="50000">
+              <a:schemeClr val="phClr">
+                <a:lumMod val="105000"/>
+                <a:satMod val="103000"/>
+                <a:tint val="73000"/>
+              </a:schemeClr>
+            </a:gs>
+            <a:gs pos="100000">
+              <a:schemeClr val="phClr">
+                <a:lumMod val="105000"/>
+                <a:satMod val="109000"/>
+                <a:tint val="81000"/>
+              </a:schemeClr>
+            </a:gs>
+          </a:gsLst>
+          <a:lin ang="5400000" scaled="0"/>
+        </a:gradFill>
+        <a:gradFill rotWithShape="1">
+          <a:gsLst>
+            <a:gs pos="0">
+              <a:schemeClr val="phClr">
+                <a:satMod val="103000"/>
+                <a:lumMod val="102000"/>
+                <a:tint val="94000"/>
+              </a:schemeClr>
+            </a:gs>
+            <a:gs pos="50000">
+              <a:schemeClr val="phClr">
+                <a:satMod val="110000"/>
+                <a:lumMod val="100000"/>
+                <a:shade val="100000"/>
+              </a:schemeClr>
+            </a:gs>
+            <a:gs pos="100000">
+              <a:schemeClr val="phClr">
+                <a:lumMod val="99000"/>
+                <a:satMod val="120000"/>
+                <a:shade val="78000"/>
+              </a:schemeClr>
+            </a:gs>
+          </a:gsLst>
+          <a:lin ang="5400000" scaled="0"/>
+        </a:gradFill>
+      </a:fillStyleLst>
+      <a:lnStyleLst>
+        <a:ln w="12700" cap="flat" cmpd="sng" algn="ctr">
+          <a:solidFill>
+            <a:schemeClr val="phClr"/>
+          </a:solidFill>
+          <a:prstDash val="solid"/>
+          <a:miter lim="800000"/>
+        </a:ln>
+        <a:ln w="19050" cap="flat" cmpd="sng" algn="ctr">
+          <a:solidFill>
+            <a:schemeClr val="phClr"/>
+          </a:solidFill>
+          <a:prstDash val="solid"/>
+          <a:miter lim="800000"/>
+        </a:ln>
+        <a:ln w="25400" cap="flat" cmpd="sng" algn="ctr">
+          <a:solidFill>
+            <a:schemeClr val="phClr"/>
+          </a:solidFill>
+          <a:prstDash val="solid"/>
+          <a:miter lim="800000"/>
+        </a:ln>
+      </a:lnStyleLst>
+      <a:effectStyleLst>
+        <a:effectStyle>
+          <a:effectLst/>
+        </a:effectStyle>
+        <a:effectStyle>
+          <a:effectLst/>
+        </a:effectStyle>
+        <a:effectStyle>
+          <a:effectLst>
+            <a:outerShdw blurRad="57150" dist="19050" dir="5400000" algn="ctr" rotWithShape="0">
+              <a:srgbClr val="000000">
+                <a:alpha val="63000"/>
+              </a:srgbClr>
+            </a:outerShdw>
+          </a:effectLst>
+        </a:effectStyle>
+      </a:effectStyleLst>
+      <a:bgFillStyleLst>
+        <a:solidFill>
+          <a:schemeClr val="phClr"/>
+        </a:solidFill>
+        <a:solidFill>
+          <a:schemeClr val="phClr">
+            <a:tint val="95000"/>
+            <a:satMod val="170000"/>
+          </a:schemeClr>
+        </a:solidFill>
+        <a:gradFill rotWithShape="1">
+          <a:gsLst>
+            <a:gs pos="0">
+              <a:schemeClr val="phClr">
+                <a:tint val="93000"/>
+                <a:satMod val="150000"/>
+                <a:shade val="98000"/>
+                <a:lumMod val="102000"/>
+              </a:schemeClr>
+            </a:gs>
+            <a:gs pos="50000">
+              <a:schemeClr val="phClr">
+                <a:tint val="98000"/>
+                <a:satMod val="130000"/>
+                <a:shade val="90000"/>
+                <a:lumMod val="103000"/>
+              </a:schemeClr>
+            </a:gs>
+            <a:gs pos="100000">
+              <a:schemeClr val="phClr">
+                <a:shade val="63000"/>
+                <a:satMod val="120000"/>
+              </a:schemeClr>
+            </a:gs>
+          </a:gsLst>
+          <a:lin ang="5400000" scaled="0"/>
+        </a:gradFill>
+      </a:bgFillStyleLst>
+    </a:fmtScheme>
+  </a:themeElements>
+  <a:objectDefaults>
+    <a:lnDef>
+      <a:spPr/>
+      <a:bodyPr/>
+      <a:lstStyle/>
+      <a:style>
+        <a:lnRef idx="2">
+          <a:schemeClr val="accent1"/>
+        </a:lnRef>
+        <a:fillRef idx="0">
+          <a:schemeClr val="accent1"/>
+        </a:fillRef>
+        <a:effectRef idx="1">
+          <a:schemeClr val="accent1"/>
+        </a:effectRef>
+        <a:fontRef idx="minor">
+          <a:schemeClr val="tx1"/>
+        </a:fontRef>
+      </a:style>
+    </a:lnDef>
+  </a:objectDefaults>
+  <a:extraClrSchemeLst/>
+  <a:extLst>
+    <a:ext uri="{05A4C25C-085E-4340-85A3-A5531E510DB2}">
+      <thm15:themeFamily xmlns:thm15="http://schemas.microsoft.com/office/thememl/2012/main" name="Office Theme" id="{2E142A2C-CD16-42D6-873A-C26D2A0506FA}" vid="{1BDDFF52-6CD6-40A5-AB3C-68EB2F1E4D0A}"/>
+    </a:ext>
+  </a:extLst>
+</a:theme>
 </file>
--- a/BAIiM - Podejrzane pliki kontra serwis do przesyłania danych.pptx
+++ b/BAIiM - Podejrzane pliki kontra serwis do przesyłania danych.pptx
@@ -5,7 +5,7 @@
     <p:sldMasterId id="2147483811" r:id="rId1"/>
   </p:sldMasterIdLst>
   <p:notesMasterIdLst>
-    <p:notesMasterId r:id="rId18"/>
+    <p:notesMasterId r:id="rId19"/>
   </p:notesMasterIdLst>
   <p:sldIdLst>
     <p:sldId id="256" r:id="rId2"/>
@@ -18,12 +18,13 @@
     <p:sldId id="269" r:id="rId9"/>
     <p:sldId id="271" r:id="rId10"/>
     <p:sldId id="270" r:id="rId11"/>
-    <p:sldId id="267" r:id="rId12"/>
-    <p:sldId id="268" r:id="rId13"/>
-    <p:sldId id="261" r:id="rId14"/>
-    <p:sldId id="262" r:id="rId15"/>
-    <p:sldId id="263" r:id="rId16"/>
-    <p:sldId id="260" r:id="rId17"/>
+    <p:sldId id="272" r:id="rId12"/>
+    <p:sldId id="267" r:id="rId13"/>
+    <p:sldId id="268" r:id="rId14"/>
+    <p:sldId id="261" r:id="rId15"/>
+    <p:sldId id="262" r:id="rId16"/>
+    <p:sldId id="263" r:id="rId17"/>
+    <p:sldId id="260" r:id="rId18"/>
   </p:sldIdLst>
   <p:sldSz cx="12192000" cy="6858000"/>
   <p:notesSz cx="6858000" cy="9144000"/>
@@ -4145,7 +4146,7 @@
           <a:p>
             <a:fld id="{FC6F3ED5-C070-45E0-B247-5726A038816D}" type="datetimeFigureOut">
               <a:rPr lang="en-GB" smtClean="0"/>
-              <a:t>01/12/2025</a:t>
+              <a:t>02/12/2025</a:t>
             </a:fld>
             <a:endParaRPr lang="en-GB"/>
           </a:p>
@@ -4653,7 +4654,7 @@
           <a:p>
             <a:fld id="{02AC24A9-CCB6-4F8D-B8DB-C2F3692CFA5A}" type="datetimeFigureOut">
               <a:rPr lang="en-US" smtClean="0"/>
-              <a:t>12/1/2025</a:t>
+              <a:t>12/2/2025</a:t>
             </a:fld>
             <a:endParaRPr lang="en-US" dirty="0"/>
           </a:p>
@@ -5023,7 +5024,7 @@
           <a:p>
             <a:fld id="{02AC24A9-CCB6-4F8D-B8DB-C2F3692CFA5A}" type="datetimeFigureOut">
               <a:rPr lang="en-US" smtClean="0"/>
-              <a:t>12/1/2025</a:t>
+              <a:t>12/2/2025</a:t>
             </a:fld>
             <a:endParaRPr lang="en-US"/>
           </a:p>
@@ -5232,7 +5233,7 @@
           <a:p>
             <a:fld id="{02AC24A9-CCB6-4F8D-B8DB-C2F3692CFA5A}" type="datetimeFigureOut">
               <a:rPr lang="en-US" smtClean="0"/>
-              <a:t>12/1/2025</a:t>
+              <a:t>12/2/2025</a:t>
             </a:fld>
             <a:endParaRPr lang="en-US"/>
           </a:p>
@@ -5702,7 +5703,7 @@
           <a:p>
             <a:fld id="{02AC24A9-CCB6-4F8D-B8DB-C2F3692CFA5A}" type="datetimeFigureOut">
               <a:rPr lang="en-US" smtClean="0"/>
-              <a:t>12/1/2025</a:t>
+              <a:t>12/2/2025</a:t>
             </a:fld>
             <a:endParaRPr lang="en-US"/>
           </a:p>
@@ -6156,7 +6157,7 @@
           <a:p>
             <a:fld id="{02AC24A9-CCB6-4F8D-B8DB-C2F3692CFA5A}" type="datetimeFigureOut">
               <a:rPr lang="en-US" smtClean="0"/>
-              <a:t>12/1/2025</a:t>
+              <a:t>12/2/2025</a:t>
             </a:fld>
             <a:endParaRPr lang="en-US"/>
           </a:p>
@@ -6688,7 +6689,7 @@
           <a:p>
             <a:fld id="{02AC24A9-CCB6-4F8D-B8DB-C2F3692CFA5A}" type="datetimeFigureOut">
               <a:rPr lang="en-US" smtClean="0"/>
-              <a:t>12/1/2025</a:t>
+              <a:t>12/2/2025</a:t>
             </a:fld>
             <a:endParaRPr lang="en-US"/>
           </a:p>
@@ -7387,7 +7388,7 @@
           <a:p>
             <a:fld id="{02AC24A9-CCB6-4F8D-B8DB-C2F3692CFA5A}" type="datetimeFigureOut">
               <a:rPr lang="en-US" smtClean="0"/>
-              <a:t>12/1/2025</a:t>
+              <a:t>12/2/2025</a:t>
             </a:fld>
             <a:endParaRPr lang="en-US"/>
           </a:p>
@@ -7716,7 +7717,7 @@
           <a:p>
             <a:fld id="{02AC24A9-CCB6-4F8D-B8DB-C2F3692CFA5A}" type="datetimeFigureOut">
               <a:rPr lang="en-US" smtClean="0"/>
-              <a:t>12/1/2025</a:t>
+              <a:t>12/2/2025</a:t>
             </a:fld>
             <a:endParaRPr lang="en-US"/>
           </a:p>
@@ -7829,7 +7830,7 @@
           <a:p>
             <a:fld id="{02AC24A9-CCB6-4F8D-B8DB-C2F3692CFA5A}" type="datetimeFigureOut">
               <a:rPr lang="en-US" smtClean="0"/>
-              <a:t>12/1/2025</a:t>
+              <a:t>12/2/2025</a:t>
             </a:fld>
             <a:endParaRPr lang="en-US"/>
           </a:p>
@@ -8324,7 +8325,7 @@
           <a:p>
             <a:fld id="{02AC24A9-CCB6-4F8D-B8DB-C2F3692CFA5A}" type="datetimeFigureOut">
               <a:rPr lang="en-US" smtClean="0"/>
-              <a:t>12/1/2025</a:t>
+              <a:t>12/2/2025</a:t>
             </a:fld>
             <a:endParaRPr lang="en-US" dirty="0"/>
           </a:p>
@@ -8801,7 +8802,7 @@
           <a:p>
             <a:fld id="{02AC24A9-CCB6-4F8D-B8DB-C2F3692CFA5A}" type="datetimeFigureOut">
               <a:rPr lang="en-US" smtClean="0"/>
-              <a:t>12/1/2025</a:t>
+              <a:t>12/2/2025</a:t>
             </a:fld>
             <a:endParaRPr lang="en-US"/>
           </a:p>
@@ -9044,7 +9045,7 @@
           <a:p>
             <a:fld id="{02AC24A9-CCB6-4F8D-B8DB-C2F3692CFA5A}" type="datetimeFigureOut">
               <a:rPr lang="en-US" smtClean="0"/>
-              <a:t>12/1/2025</a:t>
+              <a:t>12/2/2025</a:t>
             </a:fld>
             <a:endParaRPr lang="en-US"/>
           </a:p>
@@ -10094,6 +10095,205 @@
           <p:cNvPr id="2" name="Tytuł 1">
             <a:extLst>
               <a:ext uri="{FF2B5EF4-FFF2-40B4-BE49-F238E27FC236}">
+                <a16:creationId xmlns:a16="http://schemas.microsoft.com/office/drawing/2014/main" id="{A9CF8B34-E14D-6D28-7D56-76B8A8611141}"/>
+              </a:ext>
+            </a:extLst>
+          </p:cNvPr>
+          <p:cNvSpPr>
+            <a:spLocks noGrp="1"/>
+          </p:cNvSpPr>
+          <p:nvPr>
+            <p:ph type="title"/>
+          </p:nvPr>
+        </p:nvSpPr>
+        <p:spPr/>
+        <p:txBody>
+          <a:bodyPr/>
+          <a:lstStyle/>
+          <a:p>
+            <a:r>
+              <a:rPr lang="pl-PL" dirty="0"/>
+              <a:t>Jak bronić się przed </a:t>
+            </a:r>
+            <a:r>
+              <a:rPr lang="pl-PL" dirty="0" err="1"/>
+              <a:t>phishingiem</a:t>
+            </a:r>
+            <a:endParaRPr lang="en-GB" dirty="0"/>
+          </a:p>
+        </p:txBody>
+      </p:sp>
+      <p:sp>
+        <p:nvSpPr>
+          <p:cNvPr id="3" name="Symbol zastępczy zawartości 2">
+            <a:extLst>
+              <a:ext uri="{FF2B5EF4-FFF2-40B4-BE49-F238E27FC236}">
+                <a16:creationId xmlns:a16="http://schemas.microsoft.com/office/drawing/2014/main" id="{CC1C8EFA-2B20-FD27-4B44-3A974212DF5B}"/>
+              </a:ext>
+            </a:extLst>
+          </p:cNvPr>
+          <p:cNvSpPr>
+            <a:spLocks noGrp="1"/>
+          </p:cNvSpPr>
+          <p:nvPr>
+            <p:ph idx="1"/>
+          </p:nvPr>
+        </p:nvSpPr>
+        <p:spPr/>
+        <p:txBody>
+          <a:bodyPr>
+            <a:normAutofit fontScale="62500" lnSpcReduction="20000"/>
+          </a:bodyPr>
+          <a:lstStyle/>
+          <a:p>
+            <a:pPr marL="0" indent="0">
+              <a:buNone/>
+            </a:pPr>
+            <a:r>
+              <a:rPr lang="pl-PL" b="1" dirty="0"/>
+              <a:t>Jak bronić się przed </a:t>
+            </a:r>
+            <a:r>
+              <a:rPr lang="pl-PL" b="1" dirty="0" err="1"/>
+              <a:t>phishingiem</a:t>
+            </a:r>
+            <a:r>
+              <a:rPr lang="pl-PL" b="1" dirty="0"/>
+              <a:t>?</a:t>
+            </a:r>
+          </a:p>
+          <a:p>
+            <a:r>
+              <a:rPr lang="pl-PL" b="1" dirty="0"/>
+              <a:t>Sprawdzaj nadawcę</a:t>
+            </a:r>
+            <a:r>
+              <a:rPr lang="pl-PL" dirty="0"/>
+              <a:t> – uważaj na literówki i podejrzane domeny.</a:t>
+            </a:r>
+          </a:p>
+          <a:p>
+            <a:r>
+              <a:rPr lang="pl-PL" b="1" dirty="0"/>
+              <a:t>Nie klikaj w podejrzane linki</a:t>
+            </a:r>
+            <a:r>
+              <a:rPr lang="pl-PL" dirty="0"/>
+              <a:t> – najedź kursorem, aby zobaczyć prawdziwy adres.</a:t>
+            </a:r>
+          </a:p>
+          <a:p>
+            <a:r>
+              <a:rPr lang="pl-PL" b="1" dirty="0"/>
+              <a:t>Nie podawaj danych</a:t>
+            </a:r>
+            <a:r>
+              <a:rPr lang="pl-PL" dirty="0"/>
+              <a:t> przez e-mail/SMS, jeśli nie masz 100% pewności co do źródła.</a:t>
+            </a:r>
+          </a:p>
+          <a:p>
+            <a:r>
+              <a:rPr lang="pl-PL" b="1" dirty="0"/>
+              <a:t>Używaj MFA (dwuskładnikowe logowanie)</a:t>
+            </a:r>
+            <a:r>
+              <a:rPr lang="pl-PL" dirty="0"/>
+              <a:t> – zabezpiecza nawet przy wycieku hasła.</a:t>
+            </a:r>
+          </a:p>
+          <a:p>
+            <a:r>
+              <a:rPr lang="pl-PL" b="1" dirty="0"/>
+              <a:t>Aktualizuj oprogramowanie</a:t>
+            </a:r>
+            <a:r>
+              <a:rPr lang="pl-PL" dirty="0"/>
+              <a:t> – łata podatności wykorzystywane przez ataki.</a:t>
+            </a:r>
+          </a:p>
+          <a:p>
+            <a:r>
+              <a:rPr lang="pl-PL" b="1" dirty="0"/>
+              <a:t>Korzystaj z filtrów </a:t>
+            </a:r>
+            <a:r>
+              <a:rPr lang="pl-PL" b="1" dirty="0" err="1"/>
+              <a:t>antyphishingowych</a:t>
+            </a:r>
+            <a:r>
+              <a:rPr lang="pl-PL" dirty="0"/>
+              <a:t> w przeglądarce i poczcie.</a:t>
+            </a:r>
+          </a:p>
+          <a:p>
+            <a:r>
+              <a:rPr lang="pl-PL" b="1" dirty="0"/>
+              <a:t>Bądź czujny na presję czasu</a:t>
+            </a:r>
+            <a:r>
+              <a:rPr lang="pl-PL" dirty="0"/>
+              <a:t> – pośpiech to typowa taktyka oszustów.</a:t>
+            </a:r>
+          </a:p>
+          <a:p>
+            <a:r>
+              <a:rPr lang="pl-PL" b="1" dirty="0"/>
+              <a:t>Jeśli używasz Windowsa </a:t>
+            </a:r>
+            <a:r>
+              <a:rPr lang="pl-PL" dirty="0"/>
+              <a:t>– włącz </a:t>
+            </a:r>
+            <a:r>
+              <a:rPr lang="pl-PL" dirty="0" err="1"/>
+              <a:t>firewalla</a:t>
+            </a:r>
+            <a:r>
+              <a:rPr lang="pl-PL" dirty="0"/>
+              <a:t>. </a:t>
+            </a:r>
+          </a:p>
+          <a:p>
+            <a:endParaRPr lang="en-GB" dirty="0"/>
+          </a:p>
+        </p:txBody>
+      </p:sp>
+    </p:spTree>
+    <p:extLst>
+      <p:ext uri="{BB962C8B-B14F-4D97-AF65-F5344CB8AC3E}">
+        <p14:creationId xmlns:p14="http://schemas.microsoft.com/office/powerpoint/2010/main" val="452937081"/>
+      </p:ext>
+    </p:extLst>
+  </p:cSld>
+  <p:clrMapOvr>
+    <a:masterClrMapping/>
+  </p:clrMapOvr>
+</p:sld>
+</file>
+
+<file path=ppt/slides/slide12.xml><?xml version="1.0" encoding="utf-8"?>
+<p:sld xmlns:a="http://schemas.openxmlformats.org/drawingml/2006/main" xmlns:r="http://schemas.openxmlformats.org/officeDocument/2006/relationships" xmlns:p="http://schemas.openxmlformats.org/presentationml/2006/main">
+  <p:cSld>
+    <p:spTree>
+      <p:nvGrpSpPr>
+        <p:cNvPr id="1" name=""/>
+        <p:cNvGrpSpPr/>
+        <p:nvPr/>
+      </p:nvGrpSpPr>
+      <p:grpSpPr>
+        <a:xfrm>
+          <a:off x="0" y="0"/>
+          <a:ext cx="0" cy="0"/>
+          <a:chOff x="0" y="0"/>
+          <a:chExt cx="0" cy="0"/>
+        </a:xfrm>
+      </p:grpSpPr>
+      <p:sp>
+        <p:nvSpPr>
+          <p:cNvPr id="2" name="Tytuł 1">
+            <a:extLst>
+              <a:ext uri="{FF2B5EF4-FFF2-40B4-BE49-F238E27FC236}">
                 <a16:creationId xmlns:a16="http://schemas.microsoft.com/office/drawing/2014/main" id="{52EEC39C-A79E-91D5-939D-9D96A2BB39A3}"/>
               </a:ext>
             </a:extLst>
@@ -10163,101 +10363,6 @@
 </p:sld>
 </file>
 
-<file path=ppt/slides/slide12.xml><?xml version="1.0" encoding="utf-8"?>
-<p:sld xmlns:a="http://schemas.openxmlformats.org/drawingml/2006/main" xmlns:r="http://schemas.openxmlformats.org/officeDocument/2006/relationships" xmlns:p="http://schemas.openxmlformats.org/presentationml/2006/main">
-  <p:cSld>
-    <p:spTree>
-      <p:nvGrpSpPr>
-        <p:cNvPr id="1" name=""/>
-        <p:cNvGrpSpPr/>
-        <p:nvPr/>
-      </p:nvGrpSpPr>
-      <p:grpSpPr>
-        <a:xfrm>
-          <a:off x="0" y="0"/>
-          <a:ext cx="0" cy="0"/>
-          <a:chOff x="0" y="0"/>
-          <a:chExt cx="0" cy="0"/>
-        </a:xfrm>
-      </p:grpSpPr>
-      <p:sp>
-        <p:nvSpPr>
-          <p:cNvPr id="2" name="Tytuł 1">
-            <a:extLst>
-              <a:ext uri="{FF2B5EF4-FFF2-40B4-BE49-F238E27FC236}">
-                <a16:creationId xmlns:a16="http://schemas.microsoft.com/office/drawing/2014/main" id="{9752CA37-AB61-08D7-A919-2225D161B169}"/>
-              </a:ext>
-            </a:extLst>
-          </p:cNvPr>
-          <p:cNvSpPr>
-            <a:spLocks noGrp="1"/>
-          </p:cNvSpPr>
-          <p:nvPr>
-            <p:ph type="title"/>
-          </p:nvPr>
-        </p:nvSpPr>
-        <p:spPr/>
-        <p:txBody>
-          <a:bodyPr/>
-          <a:lstStyle/>
-          <a:p>
-            <a:r>
-              <a:rPr lang="pl-PL" dirty="0" err="1"/>
-              <a:t>VirusTotal</a:t>
-            </a:r>
-            <a:endParaRPr lang="en-GB" dirty="0"/>
-          </a:p>
-        </p:txBody>
-      </p:sp>
-      <p:sp>
-        <p:nvSpPr>
-          <p:cNvPr id="3" name="Symbol zastępczy zawartości 2">
-            <a:extLst>
-              <a:ext uri="{FF2B5EF4-FFF2-40B4-BE49-F238E27FC236}">
-                <a16:creationId xmlns:a16="http://schemas.microsoft.com/office/drawing/2014/main" id="{53F177E5-3671-CAD7-E81D-4F61503D079F}"/>
-              </a:ext>
-            </a:extLst>
-          </p:cNvPr>
-          <p:cNvSpPr>
-            <a:spLocks noGrp="1"/>
-          </p:cNvSpPr>
-          <p:nvPr>
-            <p:ph idx="1"/>
-          </p:nvPr>
-        </p:nvSpPr>
-        <p:spPr/>
-        <p:txBody>
-          <a:bodyPr/>
-          <a:lstStyle/>
-          <a:p>
-            <a:pPr marL="0" indent="0">
-              <a:buNone/>
-            </a:pPr>
-            <a:r>
-              <a:rPr lang="pl-PL" dirty="0" err="1"/>
-              <a:t>VirusTotal</a:t>
-            </a:r>
-            <a:r>
-              <a:rPr lang="pl-PL" dirty="0"/>
-              <a:t> jest to strona służąca do analizy podejrzanych plików, domen, IP oraz URL do wykrywania złośliwego oprogramowania. Używamy API, aby sprawdzać przesyłane pliki czy nie zawierają one złośliwego oprogramowania.</a:t>
-            </a:r>
-            <a:endParaRPr lang="en-GB" dirty="0"/>
-          </a:p>
-        </p:txBody>
-      </p:sp>
-    </p:spTree>
-    <p:extLst>
-      <p:ext uri="{BB962C8B-B14F-4D97-AF65-F5344CB8AC3E}">
-        <p14:creationId xmlns:p14="http://schemas.microsoft.com/office/powerpoint/2010/main" val="4277937291"/>
-      </p:ext>
-    </p:extLst>
-  </p:cSld>
-  <p:clrMapOvr>
-    <a:masterClrMapping/>
-  </p:clrMapOvr>
-</p:sld>
-</file>
-
 <file path=ppt/slides/slide13.xml><?xml version="1.0" encoding="utf-8"?>
 <p:sld xmlns:a="http://schemas.openxmlformats.org/drawingml/2006/main" xmlns:r="http://schemas.openxmlformats.org/officeDocument/2006/relationships" xmlns:p="http://schemas.openxmlformats.org/presentationml/2006/main">
   <p:cSld>
@@ -10280,7 +10385,7 @@
           <p:cNvPr id="2" name="Tytuł 1">
             <a:extLst>
               <a:ext uri="{FF2B5EF4-FFF2-40B4-BE49-F238E27FC236}">
-                <a16:creationId xmlns:a16="http://schemas.microsoft.com/office/drawing/2014/main" id="{CD5A2CB6-684A-96F2-7CCB-21AEE7E9AE68}"/>
+                <a16:creationId xmlns:a16="http://schemas.microsoft.com/office/drawing/2014/main" id="{9752CA37-AB61-08D7-A919-2225D161B169}"/>
               </a:ext>
             </a:extLst>
           </p:cNvPr>
@@ -10297,8 +10402,8 @@
           <a:lstStyle/>
           <a:p>
             <a:r>
-              <a:rPr lang="pl-PL" dirty="0"/>
-              <a:t>Zadanie 1</a:t>
+              <a:rPr lang="pl-PL" dirty="0" err="1"/>
+              <a:t>VirusTotal</a:t>
             </a:r>
             <a:endParaRPr lang="en-GB" dirty="0"/>
           </a:p>
@@ -10309,7 +10414,7 @@
           <p:cNvPr id="3" name="Symbol zastępczy zawartości 2">
             <a:extLst>
               <a:ext uri="{FF2B5EF4-FFF2-40B4-BE49-F238E27FC236}">
-                <a16:creationId xmlns:a16="http://schemas.microsoft.com/office/drawing/2014/main" id="{56F6C2A0-264B-8273-5FE6-EE44462473BC}"/>
+                <a16:creationId xmlns:a16="http://schemas.microsoft.com/office/drawing/2014/main" id="{53F177E5-3671-CAD7-E81D-4F61503D079F}"/>
               </a:ext>
             </a:extLst>
           </p:cNvPr>
@@ -10325,14 +10430,25 @@
           <a:bodyPr/>
           <a:lstStyle/>
           <a:p>
-            <a:endParaRPr lang="en-GB"/>
+            <a:pPr marL="0" indent="0">
+              <a:buNone/>
+            </a:pPr>
+            <a:r>
+              <a:rPr lang="pl-PL" dirty="0" err="1"/>
+              <a:t>VirusTotal</a:t>
+            </a:r>
+            <a:r>
+              <a:rPr lang="pl-PL" dirty="0"/>
+              <a:t> jest to strona służąca do analizy podejrzanych plików, domen, IP oraz URL do wykrywania złośliwego oprogramowania. Używamy API, aby sprawdzać przesyłane pliki czy nie zawierają one złośliwego oprogramowania.</a:t>
+            </a:r>
+            <a:endParaRPr lang="en-GB" dirty="0"/>
           </a:p>
         </p:txBody>
       </p:sp>
     </p:spTree>
     <p:extLst>
       <p:ext uri="{BB962C8B-B14F-4D97-AF65-F5344CB8AC3E}">
-        <p14:creationId xmlns:p14="http://schemas.microsoft.com/office/powerpoint/2010/main" val="4243993716"/>
+        <p14:creationId xmlns:p14="http://schemas.microsoft.com/office/powerpoint/2010/main" val="4277937291"/>
       </p:ext>
     </p:extLst>
   </p:cSld>
@@ -10364,7 +10480,7 @@
           <p:cNvPr id="2" name="Tytuł 1">
             <a:extLst>
               <a:ext uri="{FF2B5EF4-FFF2-40B4-BE49-F238E27FC236}">
-                <a16:creationId xmlns:a16="http://schemas.microsoft.com/office/drawing/2014/main" id="{AE28D52C-3EB7-8EFF-C452-DD2B11CCF410}"/>
+                <a16:creationId xmlns:a16="http://schemas.microsoft.com/office/drawing/2014/main" id="{CD5A2CB6-684A-96F2-7CCB-21AEE7E9AE68}"/>
               </a:ext>
             </a:extLst>
           </p:cNvPr>
@@ -10382,7 +10498,7 @@
           <a:p>
             <a:r>
               <a:rPr lang="pl-PL" dirty="0"/>
-              <a:t>Zadanie 2</a:t>
+              <a:t>Zadanie 1</a:t>
             </a:r>
             <a:endParaRPr lang="en-GB" dirty="0"/>
           </a:p>
@@ -10393,7 +10509,7 @@
           <p:cNvPr id="3" name="Symbol zastępczy zawartości 2">
             <a:extLst>
               <a:ext uri="{FF2B5EF4-FFF2-40B4-BE49-F238E27FC236}">
-                <a16:creationId xmlns:a16="http://schemas.microsoft.com/office/drawing/2014/main" id="{9AC1CF11-3DED-50F2-6BBF-45A2A3F1AA74}"/>
+                <a16:creationId xmlns:a16="http://schemas.microsoft.com/office/drawing/2014/main" id="{56F6C2A0-264B-8273-5FE6-EE44462473BC}"/>
               </a:ext>
             </a:extLst>
           </p:cNvPr>
@@ -10409,14 +10525,21 @@
           <a:bodyPr/>
           <a:lstStyle/>
           <a:p>
-            <a:endParaRPr lang="en-GB"/>
+            <a:pPr marL="0" indent="0">
+              <a:buNone/>
+            </a:pPr>
+            <a:r>
+              <a:rPr lang="pl-PL" dirty="0"/>
+              <a:t>Użytkownicy będą mieli za zadanie wysłać zainfekowany plik z użyciem maszyn wirtualnych i uzyskać dostęp do podatnej maszyny wirtualnej.</a:t>
+            </a:r>
+            <a:endParaRPr lang="en-GB" dirty="0"/>
           </a:p>
         </p:txBody>
       </p:sp>
     </p:spTree>
     <p:extLst>
       <p:ext uri="{BB962C8B-B14F-4D97-AF65-F5344CB8AC3E}">
-        <p14:creationId xmlns:p14="http://schemas.microsoft.com/office/powerpoint/2010/main" val="3435662834"/>
+        <p14:creationId xmlns:p14="http://schemas.microsoft.com/office/powerpoint/2010/main" val="4243993716"/>
       </p:ext>
     </p:extLst>
   </p:cSld>
@@ -10448,7 +10571,7 @@
           <p:cNvPr id="2" name="Tytuł 1">
             <a:extLst>
               <a:ext uri="{FF2B5EF4-FFF2-40B4-BE49-F238E27FC236}">
-                <a16:creationId xmlns:a16="http://schemas.microsoft.com/office/drawing/2014/main" id="{EB693AD7-E102-E148-02CC-50B5E06F3A24}"/>
+                <a16:creationId xmlns:a16="http://schemas.microsoft.com/office/drawing/2014/main" id="{AE28D52C-3EB7-8EFF-C452-DD2B11CCF410}"/>
               </a:ext>
             </a:extLst>
           </p:cNvPr>
@@ -10466,7 +10589,7 @@
           <a:p>
             <a:r>
               <a:rPr lang="pl-PL" dirty="0"/>
-              <a:t>Zadanie 3</a:t>
+              <a:t>Zadanie 2</a:t>
             </a:r>
             <a:endParaRPr lang="en-GB" dirty="0"/>
           </a:p>
@@ -10477,7 +10600,7 @@
           <p:cNvPr id="3" name="Symbol zastępczy zawartości 2">
             <a:extLst>
               <a:ext uri="{FF2B5EF4-FFF2-40B4-BE49-F238E27FC236}">
-                <a16:creationId xmlns:a16="http://schemas.microsoft.com/office/drawing/2014/main" id="{95C9A3E3-8879-1E5A-FB7B-7C2FBA7638FA}"/>
+                <a16:creationId xmlns:a16="http://schemas.microsoft.com/office/drawing/2014/main" id="{9AC1CF11-3DED-50F2-6BBF-45A2A3F1AA74}"/>
               </a:ext>
             </a:extLst>
           </p:cNvPr>
@@ -10493,7 +10616,129 @@
           <a:bodyPr/>
           <a:lstStyle/>
           <a:p>
-            <a:endParaRPr lang="en-GB"/>
+            <a:pPr marL="0" indent="0">
+              <a:buNone/>
+            </a:pPr>
+            <a:r>
+              <a:rPr lang="pl-PL" dirty="0"/>
+              <a:t>Wykonanie poleceń na Windowsie z użyciem Kali Linux. Dotyczą one wielu różnych komend które można wykonać z użyciem </a:t>
+            </a:r>
+            <a:r>
+              <a:rPr lang="pl-PL" dirty="0" err="1"/>
+              <a:t>Command</a:t>
+            </a:r>
+            <a:r>
+              <a:rPr lang="pl-PL" dirty="0"/>
+              <a:t> </a:t>
+            </a:r>
+            <a:r>
+              <a:rPr lang="pl-PL" dirty="0" err="1"/>
+              <a:t>Prompt</a:t>
+            </a:r>
+            <a:r>
+              <a:rPr lang="pl-PL" dirty="0"/>
+              <a:t> na Windowsie.  </a:t>
+            </a:r>
+            <a:endParaRPr lang="en-GB" dirty="0"/>
+          </a:p>
+        </p:txBody>
+      </p:sp>
+    </p:spTree>
+    <p:extLst>
+      <p:ext uri="{BB962C8B-B14F-4D97-AF65-F5344CB8AC3E}">
+        <p14:creationId xmlns:p14="http://schemas.microsoft.com/office/powerpoint/2010/main" val="3435662834"/>
+      </p:ext>
+    </p:extLst>
+  </p:cSld>
+  <p:clrMapOvr>
+    <a:masterClrMapping/>
+  </p:clrMapOvr>
+</p:sld>
+</file>
+
+<file path=ppt/slides/slide16.xml><?xml version="1.0" encoding="utf-8"?>
+<p:sld xmlns:a="http://schemas.openxmlformats.org/drawingml/2006/main" xmlns:r="http://schemas.openxmlformats.org/officeDocument/2006/relationships" xmlns:p="http://schemas.openxmlformats.org/presentationml/2006/main">
+  <p:cSld>
+    <p:spTree>
+      <p:nvGrpSpPr>
+        <p:cNvPr id="1" name=""/>
+        <p:cNvGrpSpPr/>
+        <p:nvPr/>
+      </p:nvGrpSpPr>
+      <p:grpSpPr>
+        <a:xfrm>
+          <a:off x="0" y="0"/>
+          <a:ext cx="0" cy="0"/>
+          <a:chOff x="0" y="0"/>
+          <a:chExt cx="0" cy="0"/>
+        </a:xfrm>
+      </p:grpSpPr>
+      <p:sp>
+        <p:nvSpPr>
+          <p:cNvPr id="2" name="Tytuł 1">
+            <a:extLst>
+              <a:ext uri="{FF2B5EF4-FFF2-40B4-BE49-F238E27FC236}">
+                <a16:creationId xmlns:a16="http://schemas.microsoft.com/office/drawing/2014/main" id="{EB693AD7-E102-E148-02CC-50B5E06F3A24}"/>
+              </a:ext>
+            </a:extLst>
+          </p:cNvPr>
+          <p:cNvSpPr>
+            <a:spLocks noGrp="1"/>
+          </p:cNvSpPr>
+          <p:nvPr>
+            <p:ph type="title"/>
+          </p:nvPr>
+        </p:nvSpPr>
+        <p:spPr/>
+        <p:txBody>
+          <a:bodyPr/>
+          <a:lstStyle/>
+          <a:p>
+            <a:r>
+              <a:rPr lang="pl-PL" dirty="0"/>
+              <a:t>Zadanie 3</a:t>
+            </a:r>
+            <a:endParaRPr lang="en-GB" dirty="0"/>
+          </a:p>
+        </p:txBody>
+      </p:sp>
+      <p:sp>
+        <p:nvSpPr>
+          <p:cNvPr id="3" name="Symbol zastępczy zawartości 2">
+            <a:extLst>
+              <a:ext uri="{FF2B5EF4-FFF2-40B4-BE49-F238E27FC236}">
+                <a16:creationId xmlns:a16="http://schemas.microsoft.com/office/drawing/2014/main" id="{95C9A3E3-8879-1E5A-FB7B-7C2FBA7638FA}"/>
+              </a:ext>
+            </a:extLst>
+          </p:cNvPr>
+          <p:cNvSpPr>
+            <a:spLocks noGrp="1"/>
+          </p:cNvSpPr>
+          <p:nvPr>
+            <p:ph idx="1"/>
+          </p:nvPr>
+        </p:nvSpPr>
+        <p:spPr/>
+        <p:txBody>
+          <a:bodyPr/>
+          <a:lstStyle/>
+          <a:p>
+            <a:pPr marL="0" indent="0">
+              <a:buNone/>
+            </a:pPr>
+            <a:r>
+              <a:rPr lang="pl-PL" dirty="0"/>
+              <a:t>Zadanie ma na celu wykorzystanie API </a:t>
+            </a:r>
+            <a:r>
+              <a:rPr lang="pl-PL" dirty="0" err="1"/>
+              <a:t>VirusTotal</a:t>
+            </a:r>
+            <a:r>
+              <a:rPr lang="pl-PL" dirty="0"/>
+              <a:t> do sprawdzania zainfekowanych plików i sprawdzanie działania tego API.</a:t>
+            </a:r>
+            <a:endParaRPr lang="en-GB" dirty="0"/>
           </a:p>
         </p:txBody>
       </p:sp>
@@ -10510,7 +10755,7 @@
 </p:sld>
 </file>
 
-<file path=ppt/slides/slide16.xml><?xml version="1.0" encoding="utf-8"?>
+<file path=ppt/slides/slide17.xml><?xml version="1.0" encoding="utf-8"?>
 <p:sld xmlns:a="http://schemas.openxmlformats.org/drawingml/2006/main" xmlns:r="http://schemas.openxmlformats.org/officeDocument/2006/relationships" xmlns:p="http://schemas.openxmlformats.org/presentationml/2006/main">
   <p:cSld>
     <p:bg>
